--- a/thesis/analysis/graphs/thermal treatment.pptx
+++ b/thesis/analysis/graphs/thermal treatment.pptx
@@ -7,7 +7,7 @@
   <p:sldIdLst>
     <p:sldId id="256" r:id="rId2"/>
     <p:sldId id="257" r:id="rId3"/>
-    <p:sldId id="258" r:id="rId4"/>
+    <p:sldId id="259" r:id="rId4"/>
   </p:sldIdLst>
   <p:sldSz cx="12192000" cy="6858000"/>
   <p:notesSz cx="6858000" cy="9144000"/>
@@ -22543,6 +22543,321 @@
 </c:chartSpace>
 </file>
 
+<file path=ppt/charts/chart4.xml><?xml version="1.0" encoding="utf-8"?>
+<c:chartSpace xmlns:c="http://schemas.openxmlformats.org/drawingml/2006/chart" xmlns:a="http://schemas.openxmlformats.org/drawingml/2006/main" xmlns:r="http://schemas.openxmlformats.org/officeDocument/2006/relationships" xmlns:c16r2="http://schemas.microsoft.com/office/drawing/2015/06/chart">
+  <c:date1904 val="0"/>
+  <c:lang val="en-US"/>
+  <c:roundedCorners val="0"/>
+  <mc:AlternateContent xmlns:mc="http://schemas.openxmlformats.org/markup-compatibility/2006">
+    <mc:Choice xmlns:c14="http://schemas.microsoft.com/office/drawing/2007/8/2/chart" Requires="c14">
+      <c14:style val="102"/>
+    </mc:Choice>
+    <mc:Fallback>
+      <c:style val="2"/>
+    </mc:Fallback>
+  </mc:AlternateContent>
+  <c:chart>
+    <c:autoTitleDeleted val="1"/>
+    <c:plotArea>
+      <c:layout/>
+      <c:scatterChart>
+        <c:scatterStyle val="lineMarker"/>
+        <c:varyColors val="0"/>
+        <c:ser>
+          <c:idx val="0"/>
+          <c:order val="0"/>
+          <c:tx>
+            <c:strRef>
+              <c:f>'[200-6 treatment.xlsx]Sheet1'!$B$1</c:f>
+              <c:strCache>
+                <c:ptCount val="1"/>
+                <c:pt idx="0">
+                  <c:v>T</c:v>
+                </c:pt>
+              </c:strCache>
+            </c:strRef>
+          </c:tx>
+          <c:spPr>
+            <a:ln w="19050" cap="rnd">
+              <a:solidFill>
+                <a:schemeClr val="tx1"/>
+              </a:solidFill>
+              <a:round/>
+            </a:ln>
+            <a:effectLst/>
+          </c:spPr>
+          <c:marker>
+            <c:symbol val="none"/>
+          </c:marker>
+          <c:xVal>
+            <c:numRef>
+              <c:f>'[200-6 treatment.xlsx]Sheet1'!$A$2:$A$6</c:f>
+              <c:numCache>
+                <c:formatCode>General</c:formatCode>
+                <c:ptCount val="5"/>
+                <c:pt idx="0">
+                  <c:v>0</c:v>
+                </c:pt>
+                <c:pt idx="1">
+                  <c:v>5</c:v>
+                </c:pt>
+                <c:pt idx="2">
+                  <c:v>6</c:v>
+                </c:pt>
+                <c:pt idx="3">
+                  <c:v>8</c:v>
+                </c:pt>
+                <c:pt idx="4">
+                  <c:v>12</c:v>
+                </c:pt>
+              </c:numCache>
+            </c:numRef>
+          </c:xVal>
+          <c:yVal>
+            <c:numRef>
+              <c:f>'[200-6 treatment.xlsx]Sheet1'!$B$2:$B$6</c:f>
+              <c:numCache>
+                <c:formatCode>General</c:formatCode>
+                <c:ptCount val="5"/>
+                <c:pt idx="0">
+                  <c:v>283.14999999999998</c:v>
+                </c:pt>
+                <c:pt idx="1">
+                  <c:v>283.14999999999998</c:v>
+                </c:pt>
+                <c:pt idx="2">
+                  <c:v>178.15</c:v>
+                </c:pt>
+                <c:pt idx="3">
+                  <c:v>353.15</c:v>
+                </c:pt>
+                <c:pt idx="4">
+                  <c:v>353.15</c:v>
+                </c:pt>
+              </c:numCache>
+            </c:numRef>
+          </c:yVal>
+          <c:smooth val="0"/>
+          <c:extLst>
+            <c:ext xmlns:c16="http://schemas.microsoft.com/office/drawing/2014/chart" uri="{C3380CC4-5D6E-409C-BE32-E72D297353CC}">
+              <c16:uniqueId val="{00000000-CD26-E542-A6ED-2EC1B55A1889}"/>
+            </c:ext>
+          </c:extLst>
+        </c:ser>
+        <c:dLbls>
+          <c:showLegendKey val="0"/>
+          <c:showVal val="0"/>
+          <c:showCatName val="0"/>
+          <c:showSerName val="0"/>
+          <c:showPercent val="0"/>
+          <c:showBubbleSize val="0"/>
+        </c:dLbls>
+        <c:axId val="-1706154272"/>
+        <c:axId val="-1706164592"/>
+      </c:scatterChart>
+      <c:valAx>
+        <c:axId val="-1706154272"/>
+        <c:scaling>
+          <c:orientation val="minMax"/>
+        </c:scaling>
+        <c:delete val="1"/>
+        <c:axPos val="b"/>
+        <c:majorGridlines>
+          <c:spPr>
+            <a:ln w="9525" cap="flat" cmpd="sng" algn="ctr">
+              <a:noFill/>
+              <a:round/>
+            </a:ln>
+            <a:effectLst/>
+          </c:spPr>
+        </c:majorGridlines>
+        <c:title>
+          <c:tx>
+            <c:rich>
+              <a:bodyPr rot="0" spcFirstLastPara="1" vertOverflow="ellipsis" vert="horz" wrap="square" anchor="ctr" anchorCtr="1"/>
+              <a:lstStyle/>
+              <a:p>
+                <a:pPr>
+                  <a:defRPr sz="1800" b="0" i="0" u="none" strike="noStrike" kern="1200" baseline="0">
+                    <a:solidFill>
+                      <a:schemeClr val="tx1"/>
+                    </a:solidFill>
+                    <a:latin typeface="Arial" panose="020B0604020202020204" pitchFamily="34" charset="0"/>
+                    <a:ea typeface="+mn-ea"/>
+                    <a:cs typeface="Arial" panose="020B0604020202020204" pitchFamily="34" charset="0"/>
+                  </a:defRPr>
+                </a:pPr>
+                <a:r>
+                  <a:rPr lang="en-US" sz="1800">
+                    <a:solidFill>
+                      <a:schemeClr val="tx1"/>
+                    </a:solidFill>
+                    <a:latin typeface="Arial" panose="020B0604020202020204" pitchFamily="34" charset="0"/>
+                    <a:cs typeface="Arial" panose="020B0604020202020204" pitchFamily="34" charset="0"/>
+                  </a:rPr>
+                  <a:t>time</a:t>
+                </a:r>
+              </a:p>
+            </c:rich>
+          </c:tx>
+          <c:overlay val="0"/>
+          <c:spPr>
+            <a:noFill/>
+            <a:ln>
+              <a:noFill/>
+            </a:ln>
+            <a:effectLst/>
+          </c:spPr>
+          <c:txPr>
+            <a:bodyPr rot="0" spcFirstLastPara="1" vertOverflow="ellipsis" vert="horz" wrap="square" anchor="ctr" anchorCtr="1"/>
+            <a:lstStyle/>
+            <a:p>
+              <a:pPr>
+                <a:defRPr sz="1800" b="0" i="0" u="none" strike="noStrike" kern="1200" baseline="0">
+                  <a:solidFill>
+                    <a:schemeClr val="tx1"/>
+                  </a:solidFill>
+                  <a:latin typeface="Arial" panose="020B0604020202020204" pitchFamily="34" charset="0"/>
+                  <a:ea typeface="+mn-ea"/>
+                  <a:cs typeface="Arial" panose="020B0604020202020204" pitchFamily="34" charset="0"/>
+                </a:defRPr>
+              </a:pPr>
+              <a:endParaRPr lang="en-US"/>
+            </a:p>
+          </c:txPr>
+        </c:title>
+        <c:numFmt formatCode="General" sourceLinked="1"/>
+        <c:majorTickMark val="out"/>
+        <c:minorTickMark val="none"/>
+        <c:tickLblPos val="nextTo"/>
+        <c:crossAx val="-1706164592"/>
+        <c:crosses val="autoZero"/>
+        <c:crossBetween val="midCat"/>
+      </c:valAx>
+      <c:valAx>
+        <c:axId val="-1706164592"/>
+        <c:scaling>
+          <c:orientation val="minMax"/>
+          <c:min val="150"/>
+        </c:scaling>
+        <c:delete val="1"/>
+        <c:axPos val="l"/>
+        <c:majorGridlines>
+          <c:spPr>
+            <a:ln w="9525" cap="flat" cmpd="sng" algn="ctr">
+              <a:noFill/>
+              <a:round/>
+            </a:ln>
+            <a:effectLst/>
+          </c:spPr>
+        </c:majorGridlines>
+        <c:title>
+          <c:tx>
+            <c:rich>
+              <a:bodyPr rot="0" spcFirstLastPara="1" vertOverflow="ellipsis" wrap="square" anchor="ctr" anchorCtr="1"/>
+              <a:lstStyle/>
+              <a:p>
+                <a:pPr>
+                  <a:defRPr sz="1800" b="0" i="0" u="none" strike="noStrike" kern="1200" baseline="0">
+                    <a:solidFill>
+                      <a:schemeClr val="tx1"/>
+                    </a:solidFill>
+                    <a:latin typeface="Arial" panose="020B0604020202020204" pitchFamily="34" charset="0"/>
+                    <a:ea typeface="+mn-ea"/>
+                    <a:cs typeface="Arial" panose="020B0604020202020204" pitchFamily="34" charset="0"/>
+                  </a:defRPr>
+                </a:pPr>
+                <a:r>
+                  <a:rPr lang="en-US" sz="1800">
+                    <a:solidFill>
+                      <a:schemeClr val="tx1"/>
+                    </a:solidFill>
+                    <a:latin typeface="Arial" panose="020B0604020202020204" pitchFamily="34" charset="0"/>
+                    <a:cs typeface="Arial" panose="020B0604020202020204" pitchFamily="34" charset="0"/>
+                  </a:rPr>
+                  <a:t>T (K)</a:t>
+                </a:r>
+              </a:p>
+            </c:rich>
+          </c:tx>
+          <c:overlay val="0"/>
+          <c:spPr>
+            <a:noFill/>
+            <a:ln>
+              <a:noFill/>
+            </a:ln>
+            <a:effectLst/>
+          </c:spPr>
+          <c:txPr>
+            <a:bodyPr rot="0" spcFirstLastPara="1" vertOverflow="ellipsis" wrap="square" anchor="ctr" anchorCtr="1"/>
+            <a:lstStyle/>
+            <a:p>
+              <a:pPr>
+                <a:defRPr sz="1800" b="0" i="0" u="none" strike="noStrike" kern="1200" baseline="0">
+                  <a:solidFill>
+                    <a:schemeClr val="tx1"/>
+                  </a:solidFill>
+                  <a:latin typeface="Arial" panose="020B0604020202020204" pitchFamily="34" charset="0"/>
+                  <a:ea typeface="+mn-ea"/>
+                  <a:cs typeface="Arial" panose="020B0604020202020204" pitchFamily="34" charset="0"/>
+                </a:defRPr>
+              </a:pPr>
+              <a:endParaRPr lang="en-US"/>
+            </a:p>
+          </c:txPr>
+        </c:title>
+        <c:numFmt formatCode="General" sourceLinked="1"/>
+        <c:majorTickMark val="in"/>
+        <c:minorTickMark val="none"/>
+        <c:tickLblPos val="nextTo"/>
+        <c:crossAx val="-1706154272"/>
+        <c:crosses val="autoZero"/>
+        <c:crossBetween val="midCat"/>
+      </c:valAx>
+      <c:spPr>
+        <a:noFill/>
+        <a:ln w="15875">
+          <a:solidFill>
+            <a:schemeClr val="tx1"/>
+          </a:solidFill>
+        </a:ln>
+        <a:effectLst/>
+      </c:spPr>
+    </c:plotArea>
+    <c:plotVisOnly val="1"/>
+    <c:dispBlanksAs val="gap"/>
+    <c:extLst>
+      <c:ext xmlns:c16r3="http://schemas.microsoft.com/office/drawing/2017/03/chart" uri="{56B9EC1D-385E-4148-901F-78D8002777C0}">
+        <c16r3:dataDisplayOptions16>
+          <c16r3:dispNaAsBlank val="1"/>
+        </c16r3:dataDisplayOptions16>
+      </c:ext>
+    </c:extLst>
+    <c:showDLblsOverMax val="0"/>
+  </c:chart>
+  <c:spPr>
+    <a:noFill/>
+    <a:ln w="15875">
+      <a:noFill/>
+    </a:ln>
+    <a:effectLst/>
+  </c:spPr>
+  <c:txPr>
+    <a:bodyPr/>
+    <a:lstStyle/>
+    <a:p>
+      <a:pPr>
+        <a:defRPr/>
+      </a:pPr>
+      <a:endParaRPr lang="en-US"/>
+    </a:p>
+  </c:txPr>
+  <c:externalData r:id="rId3">
+    <c:autoUpdate val="0"/>
+  </c:externalData>
+</c:chartSpace>
+</file>
+
 <file path=ppt/charts/colors1.xml><?xml version="1.0" encoding="utf-8"?>
 <cs:colorStyle xmlns:cs="http://schemas.microsoft.com/office/drawing/2012/chartStyle" xmlns:a="http://schemas.openxmlformats.org/drawingml/2006/main" meth="cycle" id="10">
   <a:schemeClr val="accent1"/>
@@ -22624,6 +22939,46 @@
 </file>
 
 <file path=ppt/charts/colors3.xml><?xml version="1.0" encoding="utf-8"?>
+<cs:colorStyle xmlns:cs="http://schemas.microsoft.com/office/drawing/2012/chartStyle" xmlns:a="http://schemas.openxmlformats.org/drawingml/2006/main" meth="cycle" id="10">
+  <a:schemeClr val="accent1"/>
+  <a:schemeClr val="accent2"/>
+  <a:schemeClr val="accent3"/>
+  <a:schemeClr val="accent4"/>
+  <a:schemeClr val="accent5"/>
+  <a:schemeClr val="accent6"/>
+  <cs:variation/>
+  <cs:variation>
+    <a:lumMod val="60000"/>
+  </cs:variation>
+  <cs:variation>
+    <a:lumMod val="80000"/>
+    <a:lumOff val="20000"/>
+  </cs:variation>
+  <cs:variation>
+    <a:lumMod val="80000"/>
+  </cs:variation>
+  <cs:variation>
+    <a:lumMod val="60000"/>
+    <a:lumOff val="40000"/>
+  </cs:variation>
+  <cs:variation>
+    <a:lumMod val="50000"/>
+  </cs:variation>
+  <cs:variation>
+    <a:lumMod val="70000"/>
+    <a:lumOff val="30000"/>
+  </cs:variation>
+  <cs:variation>
+    <a:lumMod val="70000"/>
+  </cs:variation>
+  <cs:variation>
+    <a:lumMod val="50000"/>
+    <a:lumOff val="50000"/>
+  </cs:variation>
+</cs:colorStyle>
+</file>
+
+<file path=ppt/charts/colors4.xml><?xml version="1.0" encoding="utf-8"?>
 <cs:colorStyle xmlns:cs="http://schemas.microsoft.com/office/drawing/2012/chartStyle" xmlns:a="http://schemas.openxmlformats.org/drawingml/2006/main" meth="cycle" id="10">
   <a:schemeClr val="accent1"/>
   <a:schemeClr val="accent2"/>
@@ -24211,6 +24566,522 @@
 </cs:chartStyle>
 </file>
 
+<file path=ppt/charts/style4.xml><?xml version="1.0" encoding="utf-8"?>
+<cs:chartStyle xmlns:cs="http://schemas.microsoft.com/office/drawing/2012/chartStyle" xmlns:a="http://schemas.openxmlformats.org/drawingml/2006/main" id="240">
+  <cs:axisTitle>
+    <cs:lnRef idx="0"/>
+    <cs:fillRef idx="0"/>
+    <cs:effectRef idx="0"/>
+    <cs:fontRef idx="minor">
+      <a:schemeClr val="tx1">
+        <a:lumMod val="65000"/>
+        <a:lumOff val="35000"/>
+      </a:schemeClr>
+    </cs:fontRef>
+    <cs:defRPr sz="1000" kern="1200"/>
+  </cs:axisTitle>
+  <cs:categoryAxis>
+    <cs:lnRef idx="0"/>
+    <cs:fillRef idx="0"/>
+    <cs:effectRef idx="0"/>
+    <cs:fontRef idx="minor">
+      <a:schemeClr val="tx1">
+        <a:lumMod val="65000"/>
+        <a:lumOff val="35000"/>
+      </a:schemeClr>
+    </cs:fontRef>
+    <cs:spPr>
+      <a:ln w="9525" cap="flat" cmpd="sng" algn="ctr">
+        <a:solidFill>
+          <a:schemeClr val="tx1">
+            <a:lumMod val="25000"/>
+            <a:lumOff val="75000"/>
+          </a:schemeClr>
+        </a:solidFill>
+        <a:round/>
+      </a:ln>
+    </cs:spPr>
+    <cs:defRPr sz="900" kern="1200"/>
+  </cs:categoryAxis>
+  <cs:chartArea mods="allowNoFillOverride allowNoLineOverride">
+    <cs:lnRef idx="0"/>
+    <cs:fillRef idx="0"/>
+    <cs:effectRef idx="0"/>
+    <cs:fontRef idx="minor">
+      <a:schemeClr val="tx1"/>
+    </cs:fontRef>
+    <cs:spPr>
+      <a:solidFill>
+        <a:schemeClr val="bg1"/>
+      </a:solidFill>
+      <a:ln w="9525" cap="flat" cmpd="sng" algn="ctr">
+        <a:solidFill>
+          <a:schemeClr val="tx1">
+            <a:lumMod val="15000"/>
+            <a:lumOff val="85000"/>
+          </a:schemeClr>
+        </a:solidFill>
+        <a:round/>
+      </a:ln>
+    </cs:spPr>
+    <cs:defRPr sz="1000" kern="1200"/>
+  </cs:chartArea>
+  <cs:dataLabel>
+    <cs:lnRef idx="0"/>
+    <cs:fillRef idx="0"/>
+    <cs:effectRef idx="0"/>
+    <cs:fontRef idx="minor">
+      <a:schemeClr val="tx1">
+        <a:lumMod val="75000"/>
+        <a:lumOff val="25000"/>
+      </a:schemeClr>
+    </cs:fontRef>
+    <cs:defRPr sz="900" kern="1200"/>
+  </cs:dataLabel>
+  <cs:dataLabelCallout>
+    <cs:lnRef idx="0"/>
+    <cs:fillRef idx="0"/>
+    <cs:effectRef idx="0"/>
+    <cs:fontRef idx="minor">
+      <a:schemeClr val="dk1">
+        <a:lumMod val="65000"/>
+        <a:lumOff val="35000"/>
+      </a:schemeClr>
+    </cs:fontRef>
+    <cs:spPr>
+      <a:solidFill>
+        <a:schemeClr val="lt1"/>
+      </a:solidFill>
+      <a:ln>
+        <a:solidFill>
+          <a:schemeClr val="dk1">
+            <a:lumMod val="25000"/>
+            <a:lumOff val="75000"/>
+          </a:schemeClr>
+        </a:solidFill>
+      </a:ln>
+    </cs:spPr>
+    <cs:defRPr sz="900" kern="1200"/>
+    <cs:bodyPr rot="0" spcFirstLastPara="1" vertOverflow="clip" horzOverflow="clip" vert="horz" wrap="square" lIns="36576" tIns="18288" rIns="36576" bIns="18288" anchor="ctr" anchorCtr="1">
+      <a:spAutoFit/>
+    </cs:bodyPr>
+  </cs:dataLabelCallout>
+  <cs:dataPoint>
+    <cs:lnRef idx="0"/>
+    <cs:fillRef idx="1">
+      <cs:styleClr val="auto"/>
+    </cs:fillRef>
+    <cs:effectRef idx="0"/>
+    <cs:fontRef idx="minor">
+      <a:schemeClr val="tx1"/>
+    </cs:fontRef>
+  </cs:dataPoint>
+  <cs:dataPoint3D>
+    <cs:lnRef idx="0"/>
+    <cs:fillRef idx="1">
+      <cs:styleClr val="auto"/>
+    </cs:fillRef>
+    <cs:effectRef idx="0"/>
+    <cs:fontRef idx="minor">
+      <a:schemeClr val="tx1"/>
+    </cs:fontRef>
+  </cs:dataPoint3D>
+  <cs:dataPointLine>
+    <cs:lnRef idx="0">
+      <cs:styleClr val="auto"/>
+    </cs:lnRef>
+    <cs:fillRef idx="1"/>
+    <cs:effectRef idx="0"/>
+    <cs:fontRef idx="minor">
+      <a:schemeClr val="tx1"/>
+    </cs:fontRef>
+    <cs:spPr>
+      <a:ln w="19050" cap="rnd">
+        <a:solidFill>
+          <a:schemeClr val="phClr"/>
+        </a:solidFill>
+        <a:round/>
+      </a:ln>
+    </cs:spPr>
+  </cs:dataPointLine>
+  <cs:dataPointMarker>
+    <cs:lnRef idx="0">
+      <cs:styleClr val="auto"/>
+    </cs:lnRef>
+    <cs:fillRef idx="1">
+      <cs:styleClr val="auto"/>
+    </cs:fillRef>
+    <cs:effectRef idx="0"/>
+    <cs:fontRef idx="minor">
+      <a:schemeClr val="tx1"/>
+    </cs:fontRef>
+    <cs:spPr>
+      <a:ln w="9525">
+        <a:solidFill>
+          <a:schemeClr val="phClr"/>
+        </a:solidFill>
+      </a:ln>
+    </cs:spPr>
+  </cs:dataPointMarker>
+  <cs:dataPointMarkerLayout symbol="circle" size="5"/>
+  <cs:dataPointWireframe>
+    <cs:lnRef idx="0">
+      <cs:styleClr val="auto"/>
+    </cs:lnRef>
+    <cs:fillRef idx="0"/>
+    <cs:effectRef idx="0"/>
+    <cs:fontRef idx="minor">
+      <a:schemeClr val="dk1"/>
+    </cs:fontRef>
+    <cs:spPr>
+      <a:ln w="9525" cap="rnd">
+        <a:solidFill>
+          <a:schemeClr val="phClr"/>
+        </a:solidFill>
+        <a:round/>
+      </a:ln>
+    </cs:spPr>
+  </cs:dataPointWireframe>
+  <cs:dataTable>
+    <cs:lnRef idx="0"/>
+    <cs:fillRef idx="0"/>
+    <cs:effectRef idx="0"/>
+    <cs:fontRef idx="minor">
+      <a:schemeClr val="tx1">
+        <a:lumMod val="65000"/>
+        <a:lumOff val="35000"/>
+      </a:schemeClr>
+    </cs:fontRef>
+    <cs:spPr>
+      <a:noFill/>
+      <a:ln w="9525" cap="flat" cmpd="sng" algn="ctr">
+        <a:solidFill>
+          <a:schemeClr val="tx1">
+            <a:lumMod val="15000"/>
+            <a:lumOff val="85000"/>
+          </a:schemeClr>
+        </a:solidFill>
+        <a:round/>
+      </a:ln>
+    </cs:spPr>
+    <cs:defRPr sz="900" kern="1200"/>
+  </cs:dataTable>
+  <cs:downBar>
+    <cs:lnRef idx="0"/>
+    <cs:fillRef idx="0"/>
+    <cs:effectRef idx="0"/>
+    <cs:fontRef idx="minor">
+      <a:schemeClr val="tx1"/>
+    </cs:fontRef>
+    <cs:spPr>
+      <a:solidFill>
+        <a:schemeClr val="dk1">
+          <a:lumMod val="75000"/>
+          <a:lumOff val="25000"/>
+        </a:schemeClr>
+      </a:solidFill>
+      <a:ln w="9525" cap="flat" cmpd="sng" algn="ctr">
+        <a:solidFill>
+          <a:schemeClr val="tx1">
+            <a:lumMod val="65000"/>
+            <a:lumOff val="35000"/>
+          </a:schemeClr>
+        </a:solidFill>
+        <a:round/>
+      </a:ln>
+    </cs:spPr>
+  </cs:downBar>
+  <cs:dropLine>
+    <cs:lnRef idx="0"/>
+    <cs:fillRef idx="0"/>
+    <cs:effectRef idx="0"/>
+    <cs:fontRef idx="minor">
+      <a:schemeClr val="tx1"/>
+    </cs:fontRef>
+    <cs:spPr>
+      <a:ln w="9525" cap="flat" cmpd="sng" algn="ctr">
+        <a:solidFill>
+          <a:schemeClr val="tx1">
+            <a:lumMod val="35000"/>
+            <a:lumOff val="65000"/>
+          </a:schemeClr>
+        </a:solidFill>
+        <a:round/>
+      </a:ln>
+    </cs:spPr>
+  </cs:dropLine>
+  <cs:errorBar>
+    <cs:lnRef idx="0"/>
+    <cs:fillRef idx="0"/>
+    <cs:effectRef idx="0"/>
+    <cs:fontRef idx="minor">
+      <a:schemeClr val="tx1"/>
+    </cs:fontRef>
+    <cs:spPr>
+      <a:ln w="9525" cap="flat" cmpd="sng" algn="ctr">
+        <a:solidFill>
+          <a:schemeClr val="tx1">
+            <a:lumMod val="65000"/>
+            <a:lumOff val="35000"/>
+          </a:schemeClr>
+        </a:solidFill>
+        <a:round/>
+      </a:ln>
+    </cs:spPr>
+  </cs:errorBar>
+  <cs:floor>
+    <cs:lnRef idx="0"/>
+    <cs:fillRef idx="0"/>
+    <cs:effectRef idx="0"/>
+    <cs:fontRef idx="minor">
+      <a:schemeClr val="tx1"/>
+    </cs:fontRef>
+    <cs:spPr>
+      <a:noFill/>
+      <a:ln>
+        <a:noFill/>
+      </a:ln>
+    </cs:spPr>
+  </cs:floor>
+  <cs:gridlineMajor>
+    <cs:lnRef idx="0"/>
+    <cs:fillRef idx="0"/>
+    <cs:effectRef idx="0"/>
+    <cs:fontRef idx="minor">
+      <a:schemeClr val="tx1"/>
+    </cs:fontRef>
+    <cs:spPr>
+      <a:ln w="9525" cap="flat" cmpd="sng" algn="ctr">
+        <a:solidFill>
+          <a:schemeClr val="tx1">
+            <a:lumMod val="15000"/>
+            <a:lumOff val="85000"/>
+          </a:schemeClr>
+        </a:solidFill>
+        <a:round/>
+      </a:ln>
+    </cs:spPr>
+  </cs:gridlineMajor>
+  <cs:gridlineMinor>
+    <cs:lnRef idx="0"/>
+    <cs:fillRef idx="0"/>
+    <cs:effectRef idx="0"/>
+    <cs:fontRef idx="minor">
+      <a:schemeClr val="tx1"/>
+    </cs:fontRef>
+    <cs:spPr>
+      <a:ln w="9525" cap="flat" cmpd="sng" algn="ctr">
+        <a:solidFill>
+          <a:schemeClr val="tx1">
+            <a:lumMod val="5000"/>
+            <a:lumOff val="95000"/>
+          </a:schemeClr>
+        </a:solidFill>
+        <a:round/>
+      </a:ln>
+    </cs:spPr>
+  </cs:gridlineMinor>
+  <cs:hiLoLine>
+    <cs:lnRef idx="0"/>
+    <cs:fillRef idx="0"/>
+    <cs:effectRef idx="0"/>
+    <cs:fontRef idx="minor">
+      <a:schemeClr val="tx1"/>
+    </cs:fontRef>
+    <cs:spPr>
+      <a:ln w="9525" cap="flat" cmpd="sng" algn="ctr">
+        <a:solidFill>
+          <a:schemeClr val="tx1">
+            <a:lumMod val="50000"/>
+            <a:lumOff val="50000"/>
+          </a:schemeClr>
+        </a:solidFill>
+        <a:round/>
+      </a:ln>
+    </cs:spPr>
+  </cs:hiLoLine>
+  <cs:leaderLine>
+    <cs:lnRef idx="0"/>
+    <cs:fillRef idx="0"/>
+    <cs:effectRef idx="0"/>
+    <cs:fontRef idx="minor">
+      <a:schemeClr val="tx1"/>
+    </cs:fontRef>
+    <cs:spPr>
+      <a:ln w="9525" cap="flat" cmpd="sng" algn="ctr">
+        <a:solidFill>
+          <a:schemeClr val="tx1">
+            <a:lumMod val="35000"/>
+            <a:lumOff val="65000"/>
+          </a:schemeClr>
+        </a:solidFill>
+        <a:round/>
+      </a:ln>
+    </cs:spPr>
+  </cs:leaderLine>
+  <cs:legend>
+    <cs:lnRef idx="0"/>
+    <cs:fillRef idx="0"/>
+    <cs:effectRef idx="0"/>
+    <cs:fontRef idx="minor">
+      <a:schemeClr val="tx1">
+        <a:lumMod val="65000"/>
+        <a:lumOff val="35000"/>
+      </a:schemeClr>
+    </cs:fontRef>
+    <cs:defRPr sz="900" kern="1200"/>
+  </cs:legend>
+  <cs:plotArea mods="allowNoFillOverride allowNoLineOverride">
+    <cs:lnRef idx="0"/>
+    <cs:fillRef idx="0"/>
+    <cs:effectRef idx="0"/>
+    <cs:fontRef idx="minor">
+      <a:schemeClr val="tx1"/>
+    </cs:fontRef>
+  </cs:plotArea>
+  <cs:plotArea3D mods="allowNoFillOverride allowNoLineOverride">
+    <cs:lnRef idx="0"/>
+    <cs:fillRef idx="0"/>
+    <cs:effectRef idx="0"/>
+    <cs:fontRef idx="minor">
+      <a:schemeClr val="tx1"/>
+    </cs:fontRef>
+  </cs:plotArea3D>
+  <cs:seriesAxis>
+    <cs:lnRef idx="0"/>
+    <cs:fillRef idx="0"/>
+    <cs:effectRef idx="0"/>
+    <cs:fontRef idx="minor">
+      <a:schemeClr val="tx1">
+        <a:lumMod val="65000"/>
+        <a:lumOff val="35000"/>
+      </a:schemeClr>
+    </cs:fontRef>
+    <cs:defRPr sz="900" kern="1200"/>
+  </cs:seriesAxis>
+  <cs:seriesLine>
+    <cs:lnRef idx="0"/>
+    <cs:fillRef idx="0"/>
+    <cs:effectRef idx="0"/>
+    <cs:fontRef idx="minor">
+      <a:schemeClr val="tx1"/>
+    </cs:fontRef>
+    <cs:spPr>
+      <a:ln w="9525" cap="flat" cmpd="sng" algn="ctr">
+        <a:solidFill>
+          <a:schemeClr val="tx1">
+            <a:lumMod val="35000"/>
+            <a:lumOff val="65000"/>
+          </a:schemeClr>
+        </a:solidFill>
+        <a:round/>
+      </a:ln>
+    </cs:spPr>
+  </cs:seriesLine>
+  <cs:title>
+    <cs:lnRef idx="0"/>
+    <cs:fillRef idx="0"/>
+    <cs:effectRef idx="0"/>
+    <cs:fontRef idx="minor">
+      <a:schemeClr val="tx1">
+        <a:lumMod val="65000"/>
+        <a:lumOff val="35000"/>
+      </a:schemeClr>
+    </cs:fontRef>
+    <cs:defRPr sz="1400" b="0" kern="1200" spc="0" baseline="0"/>
+  </cs:title>
+  <cs:trendline>
+    <cs:lnRef idx="0">
+      <cs:styleClr val="auto"/>
+    </cs:lnRef>
+    <cs:fillRef idx="0"/>
+    <cs:effectRef idx="0"/>
+    <cs:fontRef idx="minor">
+      <a:schemeClr val="tx1"/>
+    </cs:fontRef>
+    <cs:spPr>
+      <a:ln w="19050" cap="rnd">
+        <a:solidFill>
+          <a:schemeClr val="phClr"/>
+        </a:solidFill>
+        <a:prstDash val="sysDot"/>
+      </a:ln>
+    </cs:spPr>
+  </cs:trendline>
+  <cs:trendlineLabel>
+    <cs:lnRef idx="0"/>
+    <cs:fillRef idx="0"/>
+    <cs:effectRef idx="0"/>
+    <cs:fontRef idx="minor">
+      <a:schemeClr val="tx1">
+        <a:lumMod val="65000"/>
+        <a:lumOff val="35000"/>
+      </a:schemeClr>
+    </cs:fontRef>
+    <cs:defRPr sz="900" kern="1200"/>
+  </cs:trendlineLabel>
+  <cs:upBar>
+    <cs:lnRef idx="0"/>
+    <cs:fillRef idx="0"/>
+    <cs:effectRef idx="0"/>
+    <cs:fontRef idx="minor">
+      <a:schemeClr val="tx1"/>
+    </cs:fontRef>
+    <cs:spPr>
+      <a:solidFill>
+        <a:schemeClr val="lt1"/>
+      </a:solidFill>
+      <a:ln w="9525" cap="flat" cmpd="sng" algn="ctr">
+        <a:solidFill>
+          <a:schemeClr val="tx1">
+            <a:lumMod val="65000"/>
+            <a:lumOff val="35000"/>
+          </a:schemeClr>
+        </a:solidFill>
+        <a:round/>
+      </a:ln>
+    </cs:spPr>
+  </cs:upBar>
+  <cs:valueAxis>
+    <cs:lnRef idx="0"/>
+    <cs:fillRef idx="0"/>
+    <cs:effectRef idx="0"/>
+    <cs:fontRef idx="minor">
+      <a:schemeClr val="tx1">
+        <a:lumMod val="65000"/>
+        <a:lumOff val="35000"/>
+      </a:schemeClr>
+    </cs:fontRef>
+    <cs:spPr>
+      <a:ln w="9525" cap="flat" cmpd="sng" algn="ctr">
+        <a:solidFill>
+          <a:schemeClr val="tx1">
+            <a:lumMod val="25000"/>
+            <a:lumOff val="75000"/>
+          </a:schemeClr>
+        </a:solidFill>
+        <a:round/>
+      </a:ln>
+    </cs:spPr>
+    <cs:defRPr sz="900" kern="1200"/>
+  </cs:valueAxis>
+  <cs:wall>
+    <cs:lnRef idx="0"/>
+    <cs:fillRef idx="0"/>
+    <cs:effectRef idx="0"/>
+    <cs:fontRef idx="minor">
+      <a:schemeClr val="tx1"/>
+    </cs:fontRef>
+    <cs:spPr>
+      <a:noFill/>
+      <a:ln>
+        <a:noFill/>
+      </a:ln>
+    </cs:spPr>
+  </cs:wall>
+</cs:chartStyle>
+</file>
+
 <file path=ppt/slideLayouts/slideLayout1.xml><?xml version="1.0" encoding="utf-8"?>
 <p:sldLayout xmlns:a="http://schemas.openxmlformats.org/drawingml/2006/main" xmlns:r="http://schemas.openxmlformats.org/officeDocument/2006/relationships" xmlns:p="http://schemas.openxmlformats.org/presentationml/2006/main" type="title" preserve="1">
   <p:cSld name="Title Slide">
@@ -24358,7 +25229,7 @@
           <a:p>
             <a:fld id="{3418A8E9-09DE-6D4A-92A7-5F1A9E34C60B}" type="datetimeFigureOut">
               <a:rPr lang="en-US" smtClean="0"/>
-              <a:t>9/21/18</a:t>
+              <a:t>10/20/2018</a:t>
             </a:fld>
             <a:endParaRPr lang="en-US"/>
           </a:p>
@@ -24556,7 +25427,7 @@
           <a:p>
             <a:fld id="{3418A8E9-09DE-6D4A-92A7-5F1A9E34C60B}" type="datetimeFigureOut">
               <a:rPr lang="en-US" smtClean="0"/>
-              <a:t>9/21/18</a:t>
+              <a:t>10/20/2018</a:t>
             </a:fld>
             <a:endParaRPr lang="en-US"/>
           </a:p>
@@ -24764,7 +25635,7 @@
           <a:p>
             <a:fld id="{3418A8E9-09DE-6D4A-92A7-5F1A9E34C60B}" type="datetimeFigureOut">
               <a:rPr lang="en-US" smtClean="0"/>
-              <a:t>9/21/18</a:t>
+              <a:t>10/20/2018</a:t>
             </a:fld>
             <a:endParaRPr lang="en-US"/>
           </a:p>
@@ -24962,7 +25833,7 @@
           <a:p>
             <a:fld id="{3418A8E9-09DE-6D4A-92A7-5F1A9E34C60B}" type="datetimeFigureOut">
               <a:rPr lang="en-US" smtClean="0"/>
-              <a:t>9/21/18</a:t>
+              <a:t>10/20/2018</a:t>
             </a:fld>
             <a:endParaRPr lang="en-US"/>
           </a:p>
@@ -25237,7 +26108,7 @@
           <a:p>
             <a:fld id="{3418A8E9-09DE-6D4A-92A7-5F1A9E34C60B}" type="datetimeFigureOut">
               <a:rPr lang="en-US" smtClean="0"/>
-              <a:t>9/21/18</a:t>
+              <a:t>10/20/2018</a:t>
             </a:fld>
             <a:endParaRPr lang="en-US"/>
           </a:p>
@@ -25502,7 +26373,7 @@
           <a:p>
             <a:fld id="{3418A8E9-09DE-6D4A-92A7-5F1A9E34C60B}" type="datetimeFigureOut">
               <a:rPr lang="en-US" smtClean="0"/>
-              <a:t>9/21/18</a:t>
+              <a:t>10/20/2018</a:t>
             </a:fld>
             <a:endParaRPr lang="en-US"/>
           </a:p>
@@ -25914,7 +26785,7 @@
           <a:p>
             <a:fld id="{3418A8E9-09DE-6D4A-92A7-5F1A9E34C60B}" type="datetimeFigureOut">
               <a:rPr lang="en-US" smtClean="0"/>
-              <a:t>9/21/18</a:t>
+              <a:t>10/20/2018</a:t>
             </a:fld>
             <a:endParaRPr lang="en-US"/>
           </a:p>
@@ -26055,7 +26926,7 @@
           <a:p>
             <a:fld id="{3418A8E9-09DE-6D4A-92A7-5F1A9E34C60B}" type="datetimeFigureOut">
               <a:rPr lang="en-US" smtClean="0"/>
-              <a:t>9/21/18</a:t>
+              <a:t>10/20/2018</a:t>
             </a:fld>
             <a:endParaRPr lang="en-US"/>
           </a:p>
@@ -26168,7 +27039,7 @@
           <a:p>
             <a:fld id="{3418A8E9-09DE-6D4A-92A7-5F1A9E34C60B}" type="datetimeFigureOut">
               <a:rPr lang="en-US" smtClean="0"/>
-              <a:t>9/21/18</a:t>
+              <a:t>10/20/2018</a:t>
             </a:fld>
             <a:endParaRPr lang="en-US"/>
           </a:p>
@@ -26479,7 +27350,7 @@
           <a:p>
             <a:fld id="{3418A8E9-09DE-6D4A-92A7-5F1A9E34C60B}" type="datetimeFigureOut">
               <a:rPr lang="en-US" smtClean="0"/>
-              <a:t>9/21/18</a:t>
+              <a:t>10/20/2018</a:t>
             </a:fld>
             <a:endParaRPr lang="en-US"/>
           </a:p>
@@ -26767,7 +27638,7 @@
           <a:p>
             <a:fld id="{3418A8E9-09DE-6D4A-92A7-5F1A9E34C60B}" type="datetimeFigureOut">
               <a:rPr lang="en-US" smtClean="0"/>
-              <a:t>9/21/18</a:t>
+              <a:t>10/20/2018</a:t>
             </a:fld>
             <a:endParaRPr lang="en-US"/>
           </a:p>
@@ -27008,7 +27879,7 @@
           <a:p>
             <a:fld id="{3418A8E9-09DE-6D4A-92A7-5F1A9E34C60B}" type="datetimeFigureOut">
               <a:rPr lang="en-US" smtClean="0"/>
-              <a:t>9/21/18</a:t>
+              <a:t>10/20/2018</a:t>
             </a:fld>
             <a:endParaRPr lang="en-US"/>
           </a:p>
@@ -27575,10 +28446,212 @@
           <a:chExt cx="0" cy="0"/>
         </a:xfrm>
       </p:grpSpPr>
+      <p:graphicFrame>
+        <p:nvGraphicFramePr>
+          <p:cNvPr id="4" name="Chart 3">
+            <a:extLst>
+              <a:ext uri="{FF2B5EF4-FFF2-40B4-BE49-F238E27FC236}">
+                <a16:creationId xmlns:a16="http://schemas.microsoft.com/office/drawing/2014/main" id="{7A760AAF-2D4F-824C-9FA1-A539D8D1EB31}"/>
+              </a:ext>
+            </a:extLst>
+          </p:cNvPr>
+          <p:cNvGraphicFramePr>
+            <a:graphicFrameLocks/>
+          </p:cNvGraphicFramePr>
+          <p:nvPr>
+            <p:extLst/>
+          </p:nvPr>
+        </p:nvGraphicFramePr>
+        <p:xfrm>
+          <a:off x="3357349" y="1583140"/>
+          <a:ext cx="5748191" cy="3035916"/>
+        </p:xfrm>
+        <a:graphic>
+          <a:graphicData uri="http://schemas.openxmlformats.org/drawingml/2006/chart">
+            <c:chart xmlns:c="http://schemas.openxmlformats.org/drawingml/2006/chart" xmlns:r="http://schemas.openxmlformats.org/officeDocument/2006/relationships" r:id="rId2"/>
+          </a:graphicData>
+        </a:graphic>
+      </p:graphicFrame>
+      <mc:AlternateContent xmlns:mc="http://schemas.openxmlformats.org/markup-compatibility/2006">
+        <mc:Choice xmlns:a14="http://schemas.microsoft.com/office/drawing/2010/main" Requires="a14">
+          <p:sp>
+            <p:nvSpPr>
+              <p:cNvPr id="2" name="TextBox 1">
+                <a:extLst>
+                  <a:ext uri="{FF2B5EF4-FFF2-40B4-BE49-F238E27FC236}">
+                    <a16:creationId xmlns:a16="http://schemas.microsoft.com/office/drawing/2014/main" id="{CD44F32F-CDA5-4FF1-90D2-7E3D8A3B2418}"/>
+                  </a:ext>
+                </a:extLst>
+              </p:cNvPr>
+              <p:cNvSpPr txBox="1"/>
+              <p:nvPr/>
+            </p:nvSpPr>
+            <p:spPr>
+              <a:xfrm>
+                <a:off x="4263622" y="2551671"/>
+                <a:ext cx="1377237" cy="246221"/>
+              </a:xfrm>
+              <a:prstGeom prst="rect">
+                <a:avLst/>
+              </a:prstGeom>
+              <a:noFill/>
+            </p:spPr>
+            <p:txBody>
+              <a:bodyPr wrap="none" lIns="0" tIns="0" rIns="0" bIns="0" rtlCol="0">
+                <a:spAutoFit/>
+              </a:bodyPr>
+              <a:lstStyle/>
+              <a:p>
+                <a:pPr/>
+                <a14:m>
+                  <m:oMathPara xmlns:m="http://schemas.openxmlformats.org/officeDocument/2006/math">
+                    <m:oMathParaPr>
+                      <m:jc m:val="centerGroup"/>
+                    </m:oMathParaPr>
+                    <m:oMath xmlns:m="http://schemas.openxmlformats.org/officeDocument/2006/math">
+                      <m:sSub>
+                        <m:sSubPr>
+                          <m:ctrlPr>
+                            <a:rPr lang="en-US" sz="1600" i="1" smtClean="0">
+                              <a:latin typeface="Cambria Math" panose="02040503050406030204" pitchFamily="18" charset="0"/>
+                            </a:rPr>
+                          </m:ctrlPr>
+                        </m:sSubPr>
+                        <m:e>
+                          <m:r>
+                            <a:rPr lang="en-US" sz="1600" b="0" i="1" smtClean="0">
+                              <a:latin typeface="Cambria Math" panose="02040503050406030204" pitchFamily="18" charset="0"/>
+                            </a:rPr>
+                            <m:t>𝑇</m:t>
+                          </m:r>
+                        </m:e>
+                        <m:sub>
+                          <m:r>
+                            <a:rPr lang="en-US" sz="1600" b="0" i="1" smtClean="0">
+                              <a:latin typeface="Cambria Math" panose="02040503050406030204" pitchFamily="18" charset="0"/>
+                            </a:rPr>
+                            <m:t>𝑚</m:t>
+                          </m:r>
+                          <m:r>
+                            <a:rPr lang="en-US" sz="1600" b="0" i="1" smtClean="0">
+                              <a:latin typeface="Cambria Math" panose="02040503050406030204" pitchFamily="18" charset="0"/>
+                            </a:rPr>
+                            <m:t>1</m:t>
+                          </m:r>
+                        </m:sub>
+                      </m:sSub>
+                      <m:r>
+                        <a:rPr lang="en-US" sz="1600" b="0" i="1" smtClean="0">
+                          <a:latin typeface="Cambria Math" panose="02040503050406030204" pitchFamily="18" charset="0"/>
+                        </a:rPr>
+                        <m:t>&lt;</m:t>
+                      </m:r>
+                      <m:r>
+                        <a:rPr lang="en-US" sz="1600" b="0" i="1" smtClean="0">
+                          <a:latin typeface="Cambria Math" panose="02040503050406030204" pitchFamily="18" charset="0"/>
+                          <a:ea typeface="Cambria Math" panose="02040503050406030204" pitchFamily="18" charset="0"/>
+                        </a:rPr>
+                        <m:t>𝑇</m:t>
+                      </m:r>
+                      <m:r>
+                        <a:rPr lang="en-US" sz="1600" b="0" i="1" smtClean="0">
+                          <a:latin typeface="Cambria Math" panose="02040503050406030204" pitchFamily="18" charset="0"/>
+                          <a:ea typeface="Cambria Math" panose="02040503050406030204" pitchFamily="18" charset="0"/>
+                        </a:rPr>
+                        <m:t>&lt;</m:t>
+                      </m:r>
+                      <m:sSub>
+                        <m:sSubPr>
+                          <m:ctrlPr>
+                            <a:rPr lang="en-US" sz="1600" b="0" i="1" smtClean="0">
+                              <a:latin typeface="Cambria Math" panose="02040503050406030204" pitchFamily="18" charset="0"/>
+                              <a:ea typeface="Cambria Math" panose="02040503050406030204" pitchFamily="18" charset="0"/>
+                            </a:rPr>
+                          </m:ctrlPr>
+                        </m:sSubPr>
+                        <m:e>
+                          <m:r>
+                            <a:rPr lang="en-US" sz="1600" b="0" i="1" smtClean="0">
+                              <a:latin typeface="Cambria Math" panose="02040503050406030204" pitchFamily="18" charset="0"/>
+                              <a:ea typeface="Cambria Math" panose="02040503050406030204" pitchFamily="18" charset="0"/>
+                            </a:rPr>
+                            <m:t>𝑇</m:t>
+                          </m:r>
+                        </m:e>
+                        <m:sub>
+                          <m:r>
+                            <a:rPr lang="en-US" sz="1600" b="0" i="1" smtClean="0">
+                              <a:latin typeface="Cambria Math" panose="02040503050406030204" pitchFamily="18" charset="0"/>
+                              <a:ea typeface="Cambria Math" panose="02040503050406030204" pitchFamily="18" charset="0"/>
+                            </a:rPr>
+                            <m:t>𝑚</m:t>
+                          </m:r>
+                          <m:r>
+                            <a:rPr lang="en-US" sz="1600" b="0" i="1" smtClean="0">
+                              <a:latin typeface="Cambria Math" panose="02040503050406030204" pitchFamily="18" charset="0"/>
+                              <a:ea typeface="Cambria Math" panose="02040503050406030204" pitchFamily="18" charset="0"/>
+                            </a:rPr>
+                            <m:t>2</m:t>
+                          </m:r>
+                        </m:sub>
+                      </m:sSub>
+                    </m:oMath>
+                  </m:oMathPara>
+                </a14:m>
+                <a:endParaRPr lang="en-US" sz="1600" dirty="0"/>
+              </a:p>
+            </p:txBody>
+          </p:sp>
+        </mc:Choice>
+        <mc:Fallback>
+          <p:sp>
+            <p:nvSpPr>
+              <p:cNvPr id="2" name="TextBox 1">
+                <a:extLst>
+                  <a:ext uri="{FF2B5EF4-FFF2-40B4-BE49-F238E27FC236}">
+                    <a16:creationId xmlns:a16="http://schemas.microsoft.com/office/drawing/2014/main" id="{CD44F32F-CDA5-4FF1-90D2-7E3D8A3B2418}"/>
+                  </a:ext>
+                </a:extLst>
+              </p:cNvPr>
+              <p:cNvSpPr txBox="1">
+                <a:spLocks noRot="1" noChangeAspect="1" noMove="1" noResize="1" noEditPoints="1" noAdjustHandles="1" noChangeArrowheads="1" noChangeShapeType="1" noTextEdit="1"/>
+              </p:cNvSpPr>
+              <p:nvPr/>
+            </p:nvSpPr>
+            <p:spPr>
+              <a:xfrm>
+                <a:off x="4263622" y="2551671"/>
+                <a:ext cx="1377237" cy="246221"/>
+              </a:xfrm>
+              <a:prstGeom prst="rect">
+                <a:avLst/>
+              </a:prstGeom>
+              <a:blipFill>
+                <a:blip r:embed="rId3"/>
+                <a:stretch>
+                  <a:fillRect l="-2655" r="-442" b="-15000"/>
+                </a:stretch>
+              </a:blipFill>
+            </p:spPr>
+            <p:txBody>
+              <a:bodyPr/>
+              <a:lstStyle/>
+              <a:p>
+                <a:r>
+                  <a:rPr lang="en-US">
+                    <a:noFill/>
+                  </a:rPr>
+                  <a:t> </a:t>
+                </a:r>
+              </a:p>
+            </p:txBody>
+          </p:sp>
+        </mc:Fallback>
+      </mc:AlternateContent>
     </p:spTree>
     <p:extLst>
       <p:ext uri="{BB962C8B-B14F-4D97-AF65-F5344CB8AC3E}">
-        <p14:creationId xmlns:p14="http://schemas.microsoft.com/office/powerpoint/2010/main" val="2958034396"/>
+        <p14:creationId xmlns:p14="http://schemas.microsoft.com/office/powerpoint/2010/main" val="3378460710"/>
       </p:ext>
     </p:extLst>
   </p:cSld>

--- a/thesis/analysis/graphs/thermal treatment.pptx
+++ b/thesis/analysis/graphs/thermal treatment.pptx
@@ -8,6 +8,7 @@
     <p:sldId id="256" r:id="rId2"/>
     <p:sldId id="257" r:id="rId3"/>
     <p:sldId id="259" r:id="rId4"/>
+    <p:sldId id="260" r:id="rId5"/>
   </p:sldIdLst>
   <p:sldSz cx="12192000" cy="6858000"/>
   <p:notesSz cx="6858000" cy="9144000"/>
@@ -22858,6 +22859,319 @@
 </c:chartSpace>
 </file>
 
+<file path=ppt/charts/chart5.xml><?xml version="1.0" encoding="utf-8"?>
+<c:chartSpace xmlns:c="http://schemas.openxmlformats.org/drawingml/2006/chart" xmlns:a="http://schemas.openxmlformats.org/drawingml/2006/main" xmlns:r="http://schemas.openxmlformats.org/officeDocument/2006/relationships" xmlns:c16r2="http://schemas.microsoft.com/office/drawing/2015/06/chart">
+  <c:date1904 val="0"/>
+  <c:lang val="en-US"/>
+  <c:roundedCorners val="0"/>
+  <mc:AlternateContent xmlns:mc="http://schemas.openxmlformats.org/markup-compatibility/2006">
+    <mc:Choice xmlns:c14="http://schemas.microsoft.com/office/drawing/2007/8/2/chart" Requires="c14">
+      <c14:style val="102"/>
+    </mc:Choice>
+    <mc:Fallback>
+      <c:style val="2"/>
+    </mc:Fallback>
+  </mc:AlternateContent>
+  <c:chart>
+    <c:autoTitleDeleted val="1"/>
+    <c:plotArea>
+      <c:layout/>
+      <c:scatterChart>
+        <c:scatterStyle val="lineMarker"/>
+        <c:varyColors val="0"/>
+        <c:ser>
+          <c:idx val="0"/>
+          <c:order val="0"/>
+          <c:tx>
+            <c:strRef>
+              <c:f>Sheet1!$B$1</c:f>
+              <c:strCache>
+                <c:ptCount val="1"/>
+                <c:pt idx="0">
+                  <c:v>T</c:v>
+                </c:pt>
+              </c:strCache>
+            </c:strRef>
+          </c:tx>
+          <c:spPr>
+            <a:ln w="19050" cap="rnd">
+              <a:solidFill>
+                <a:schemeClr val="tx1"/>
+              </a:solidFill>
+              <a:round/>
+            </a:ln>
+            <a:effectLst/>
+          </c:spPr>
+          <c:marker>
+            <c:symbol val="none"/>
+          </c:marker>
+          <c:xVal>
+            <c:numRef>
+              <c:f>Sheet1!$A$2:$A$6</c:f>
+              <c:numCache>
+                <c:formatCode>General</c:formatCode>
+                <c:ptCount val="5"/>
+                <c:pt idx="0">
+                  <c:v>0</c:v>
+                </c:pt>
+                <c:pt idx="1">
+                  <c:v>5</c:v>
+                </c:pt>
+                <c:pt idx="2">
+                  <c:v>5.0999999999999996</c:v>
+                </c:pt>
+                <c:pt idx="3">
+                  <c:v>8</c:v>
+                </c:pt>
+                <c:pt idx="4">
+                  <c:v>10</c:v>
+                </c:pt>
+              </c:numCache>
+            </c:numRef>
+          </c:xVal>
+          <c:yVal>
+            <c:numRef>
+              <c:f>Sheet1!$B$2:$B$6</c:f>
+              <c:numCache>
+                <c:formatCode>General</c:formatCode>
+                <c:ptCount val="5"/>
+                <c:pt idx="0">
+                  <c:v>283.14999999999998</c:v>
+                </c:pt>
+                <c:pt idx="1">
+                  <c:v>283.14999999999998</c:v>
+                </c:pt>
+                <c:pt idx="2">
+                  <c:v>178.15</c:v>
+                </c:pt>
+                <c:pt idx="3">
+                  <c:v>353.15</c:v>
+                </c:pt>
+                <c:pt idx="4">
+                  <c:v>353.15</c:v>
+                </c:pt>
+              </c:numCache>
+            </c:numRef>
+          </c:yVal>
+          <c:smooth val="0"/>
+          <c:extLst>
+            <c:ext xmlns:c16="http://schemas.microsoft.com/office/drawing/2014/chart" uri="{C3380CC4-5D6E-409C-BE32-E72D297353CC}">
+              <c16:uniqueId val="{00000000-0F18-3249-971C-99265D705DFC}"/>
+            </c:ext>
+          </c:extLst>
+        </c:ser>
+        <c:dLbls>
+          <c:showLegendKey val="0"/>
+          <c:showVal val="0"/>
+          <c:showCatName val="0"/>
+          <c:showSerName val="0"/>
+          <c:showPercent val="0"/>
+          <c:showBubbleSize val="0"/>
+        </c:dLbls>
+        <c:axId val="397601600"/>
+        <c:axId val="397603568"/>
+      </c:scatterChart>
+      <c:valAx>
+        <c:axId val="397601600"/>
+        <c:scaling>
+          <c:orientation val="minMax"/>
+        </c:scaling>
+        <c:delete val="1"/>
+        <c:axPos val="b"/>
+        <c:majorGridlines>
+          <c:spPr>
+            <a:ln w="9525" cap="flat" cmpd="sng" algn="ctr">
+              <a:noFill/>
+              <a:round/>
+            </a:ln>
+            <a:effectLst/>
+          </c:spPr>
+        </c:majorGridlines>
+        <c:title>
+          <c:tx>
+            <c:rich>
+              <a:bodyPr rot="0" spcFirstLastPara="1" vertOverflow="ellipsis" vert="horz" wrap="square" anchor="ctr" anchorCtr="1"/>
+              <a:lstStyle/>
+              <a:p>
+                <a:pPr>
+                  <a:defRPr sz="1200" b="0" i="0" u="none" strike="noStrike" kern="1200" baseline="0">
+                    <a:solidFill>
+                      <a:schemeClr val="tx1"/>
+                    </a:solidFill>
+                    <a:latin typeface="Arial" panose="020B0604020202020204" pitchFamily="34" charset="0"/>
+                    <a:ea typeface="+mn-ea"/>
+                    <a:cs typeface="Arial" panose="020B0604020202020204" pitchFamily="34" charset="0"/>
+                  </a:defRPr>
+                </a:pPr>
+                <a:r>
+                  <a:rPr lang="en-US" sz="1200">
+                    <a:solidFill>
+                      <a:schemeClr val="tx1"/>
+                    </a:solidFill>
+                  </a:rPr>
+                  <a:t>time</a:t>
+                </a:r>
+              </a:p>
+            </c:rich>
+          </c:tx>
+          <c:overlay val="0"/>
+          <c:spPr>
+            <a:noFill/>
+            <a:ln>
+              <a:noFill/>
+            </a:ln>
+            <a:effectLst/>
+          </c:spPr>
+          <c:txPr>
+            <a:bodyPr rot="0" spcFirstLastPara="1" vertOverflow="ellipsis" vert="horz" wrap="square" anchor="ctr" anchorCtr="1"/>
+            <a:lstStyle/>
+            <a:p>
+              <a:pPr>
+                <a:defRPr sz="1200" b="0" i="0" u="none" strike="noStrike" kern="1200" baseline="0">
+                  <a:solidFill>
+                    <a:schemeClr val="tx1"/>
+                  </a:solidFill>
+                  <a:latin typeface="Arial" panose="020B0604020202020204" pitchFamily="34" charset="0"/>
+                  <a:ea typeface="+mn-ea"/>
+                  <a:cs typeface="Arial" panose="020B0604020202020204" pitchFamily="34" charset="0"/>
+                </a:defRPr>
+              </a:pPr>
+              <a:endParaRPr lang="en-US"/>
+            </a:p>
+          </c:txPr>
+        </c:title>
+        <c:numFmt formatCode="General" sourceLinked="1"/>
+        <c:majorTickMark val="out"/>
+        <c:minorTickMark val="none"/>
+        <c:tickLblPos val="nextTo"/>
+        <c:crossAx val="397603568"/>
+        <c:crosses val="autoZero"/>
+        <c:crossBetween val="midCat"/>
+      </c:valAx>
+      <c:valAx>
+        <c:axId val="397603568"/>
+        <c:scaling>
+          <c:orientation val="minMax"/>
+          <c:min val="150"/>
+        </c:scaling>
+        <c:delete val="1"/>
+        <c:axPos val="l"/>
+        <c:title>
+          <c:tx>
+            <c:rich>
+              <a:bodyPr rot="0" spcFirstLastPara="1" vertOverflow="ellipsis" wrap="square" anchor="ctr" anchorCtr="1"/>
+              <a:lstStyle/>
+              <a:p>
+                <a:pPr>
+                  <a:defRPr sz="1200" b="0" i="0" u="none" strike="noStrike" kern="1200" baseline="0">
+                    <a:solidFill>
+                      <a:schemeClr val="tx1"/>
+                    </a:solidFill>
+                    <a:latin typeface="Arial" panose="020B0604020202020204" pitchFamily="34" charset="0"/>
+                    <a:ea typeface="+mn-ea"/>
+                    <a:cs typeface="Arial" panose="020B0604020202020204" pitchFamily="34" charset="0"/>
+                  </a:defRPr>
+                </a:pPr>
+                <a:r>
+                  <a:rPr lang="en-US" sz="1200">
+                    <a:solidFill>
+                      <a:schemeClr val="tx1"/>
+                    </a:solidFill>
+                  </a:rPr>
+                  <a:t>T</a:t>
+                </a:r>
+              </a:p>
+            </c:rich>
+          </c:tx>
+          <c:layout>
+            <c:manualLayout>
+              <c:xMode val="edge"/>
+              <c:yMode val="edge"/>
+              <c:x val="1.7500000000000002E-2"/>
+              <c:y val="4.7268518518518488E-2"/>
+            </c:manualLayout>
+          </c:layout>
+          <c:overlay val="0"/>
+          <c:spPr>
+            <a:noFill/>
+            <a:ln>
+              <a:noFill/>
+            </a:ln>
+            <a:effectLst/>
+          </c:spPr>
+          <c:txPr>
+            <a:bodyPr rot="0" spcFirstLastPara="1" vertOverflow="ellipsis" wrap="square" anchor="ctr" anchorCtr="1"/>
+            <a:lstStyle/>
+            <a:p>
+              <a:pPr>
+                <a:defRPr sz="1200" b="0" i="0" u="none" strike="noStrike" kern="1200" baseline="0">
+                  <a:solidFill>
+                    <a:schemeClr val="tx1"/>
+                  </a:solidFill>
+                  <a:latin typeface="Arial" panose="020B0604020202020204" pitchFamily="34" charset="0"/>
+                  <a:ea typeface="+mn-ea"/>
+                  <a:cs typeface="Arial" panose="020B0604020202020204" pitchFamily="34" charset="0"/>
+                </a:defRPr>
+              </a:pPr>
+              <a:endParaRPr lang="en-US"/>
+            </a:p>
+          </c:txPr>
+        </c:title>
+        <c:numFmt formatCode="General" sourceLinked="1"/>
+        <c:majorTickMark val="in"/>
+        <c:minorTickMark val="none"/>
+        <c:tickLblPos val="nextTo"/>
+        <c:crossAx val="397601600"/>
+        <c:crosses val="autoZero"/>
+        <c:crossBetween val="midCat"/>
+      </c:valAx>
+      <c:spPr>
+        <a:noFill/>
+        <a:ln>
+          <a:solidFill>
+            <a:schemeClr val="tx1"/>
+          </a:solidFill>
+        </a:ln>
+        <a:effectLst/>
+      </c:spPr>
+    </c:plotArea>
+    <c:plotVisOnly val="1"/>
+    <c:dispBlanksAs val="gap"/>
+    <c:extLst>
+      <c:ext xmlns:c16r3="http://schemas.microsoft.com/office/drawing/2017/03/chart" uri="{56B9EC1D-385E-4148-901F-78D8002777C0}">
+        <c16r3:dataDisplayOptions16>
+          <c16r3:dispNaAsBlank val="1"/>
+        </c16r3:dataDisplayOptions16>
+      </c:ext>
+    </c:extLst>
+    <c:showDLblsOverMax val="0"/>
+  </c:chart>
+  <c:spPr>
+    <a:noFill/>
+    <a:ln>
+      <a:noFill/>
+    </a:ln>
+    <a:effectLst/>
+  </c:spPr>
+  <c:txPr>
+    <a:bodyPr/>
+    <a:lstStyle/>
+    <a:p>
+      <a:pPr>
+        <a:defRPr>
+          <a:latin typeface="Arial" panose="020B0604020202020204" pitchFamily="34" charset="0"/>
+          <a:cs typeface="Arial" panose="020B0604020202020204" pitchFamily="34" charset="0"/>
+        </a:defRPr>
+      </a:pPr>
+      <a:endParaRPr lang="en-US"/>
+    </a:p>
+  </c:txPr>
+  <c:externalData r:id="rId3">
+    <c:autoUpdate val="0"/>
+  </c:externalData>
+</c:chartSpace>
+</file>
+
 <file path=ppt/charts/colors1.xml><?xml version="1.0" encoding="utf-8"?>
 <cs:colorStyle xmlns:cs="http://schemas.microsoft.com/office/drawing/2012/chartStyle" xmlns:a="http://schemas.openxmlformats.org/drawingml/2006/main" meth="cycle" id="10">
   <a:schemeClr val="accent1"/>
@@ -22979,6 +23293,46 @@
 </file>
 
 <file path=ppt/charts/colors4.xml><?xml version="1.0" encoding="utf-8"?>
+<cs:colorStyle xmlns:cs="http://schemas.microsoft.com/office/drawing/2012/chartStyle" xmlns:a="http://schemas.openxmlformats.org/drawingml/2006/main" meth="cycle" id="10">
+  <a:schemeClr val="accent1"/>
+  <a:schemeClr val="accent2"/>
+  <a:schemeClr val="accent3"/>
+  <a:schemeClr val="accent4"/>
+  <a:schemeClr val="accent5"/>
+  <a:schemeClr val="accent6"/>
+  <cs:variation/>
+  <cs:variation>
+    <a:lumMod val="60000"/>
+  </cs:variation>
+  <cs:variation>
+    <a:lumMod val="80000"/>
+    <a:lumOff val="20000"/>
+  </cs:variation>
+  <cs:variation>
+    <a:lumMod val="80000"/>
+  </cs:variation>
+  <cs:variation>
+    <a:lumMod val="60000"/>
+    <a:lumOff val="40000"/>
+  </cs:variation>
+  <cs:variation>
+    <a:lumMod val="50000"/>
+  </cs:variation>
+  <cs:variation>
+    <a:lumMod val="70000"/>
+    <a:lumOff val="30000"/>
+  </cs:variation>
+  <cs:variation>
+    <a:lumMod val="70000"/>
+  </cs:variation>
+  <cs:variation>
+    <a:lumMod val="50000"/>
+    <a:lumOff val="50000"/>
+  </cs:variation>
+</cs:colorStyle>
+</file>
+
+<file path=ppt/charts/colors5.xml><?xml version="1.0" encoding="utf-8"?>
 <cs:colorStyle xmlns:cs="http://schemas.microsoft.com/office/drawing/2012/chartStyle" xmlns:a="http://schemas.openxmlformats.org/drawingml/2006/main" meth="cycle" id="10">
   <a:schemeClr val="accent1"/>
   <a:schemeClr val="accent2"/>
@@ -25082,6 +25436,522 @@
 </cs:chartStyle>
 </file>
 
+<file path=ppt/charts/style5.xml><?xml version="1.0" encoding="utf-8"?>
+<cs:chartStyle xmlns:cs="http://schemas.microsoft.com/office/drawing/2012/chartStyle" xmlns:a="http://schemas.openxmlformats.org/drawingml/2006/main" id="240">
+  <cs:axisTitle>
+    <cs:lnRef idx="0"/>
+    <cs:fillRef idx="0"/>
+    <cs:effectRef idx="0"/>
+    <cs:fontRef idx="minor">
+      <a:schemeClr val="tx1">
+        <a:lumMod val="65000"/>
+        <a:lumOff val="35000"/>
+      </a:schemeClr>
+    </cs:fontRef>
+    <cs:defRPr sz="1000" kern="1200"/>
+  </cs:axisTitle>
+  <cs:categoryAxis>
+    <cs:lnRef idx="0"/>
+    <cs:fillRef idx="0"/>
+    <cs:effectRef idx="0"/>
+    <cs:fontRef idx="minor">
+      <a:schemeClr val="tx1">
+        <a:lumMod val="65000"/>
+        <a:lumOff val="35000"/>
+      </a:schemeClr>
+    </cs:fontRef>
+    <cs:spPr>
+      <a:ln w="9525" cap="flat" cmpd="sng" algn="ctr">
+        <a:solidFill>
+          <a:schemeClr val="tx1">
+            <a:lumMod val="25000"/>
+            <a:lumOff val="75000"/>
+          </a:schemeClr>
+        </a:solidFill>
+        <a:round/>
+      </a:ln>
+    </cs:spPr>
+    <cs:defRPr sz="900" kern="1200"/>
+  </cs:categoryAxis>
+  <cs:chartArea mods="allowNoFillOverride allowNoLineOverride">
+    <cs:lnRef idx="0"/>
+    <cs:fillRef idx="0"/>
+    <cs:effectRef idx="0"/>
+    <cs:fontRef idx="minor">
+      <a:schemeClr val="tx1"/>
+    </cs:fontRef>
+    <cs:spPr>
+      <a:solidFill>
+        <a:schemeClr val="bg1"/>
+      </a:solidFill>
+      <a:ln w="9525" cap="flat" cmpd="sng" algn="ctr">
+        <a:solidFill>
+          <a:schemeClr val="tx1">
+            <a:lumMod val="15000"/>
+            <a:lumOff val="85000"/>
+          </a:schemeClr>
+        </a:solidFill>
+        <a:round/>
+      </a:ln>
+    </cs:spPr>
+    <cs:defRPr sz="1000" kern="1200"/>
+  </cs:chartArea>
+  <cs:dataLabel>
+    <cs:lnRef idx="0"/>
+    <cs:fillRef idx="0"/>
+    <cs:effectRef idx="0"/>
+    <cs:fontRef idx="minor">
+      <a:schemeClr val="tx1">
+        <a:lumMod val="75000"/>
+        <a:lumOff val="25000"/>
+      </a:schemeClr>
+    </cs:fontRef>
+    <cs:defRPr sz="900" kern="1200"/>
+  </cs:dataLabel>
+  <cs:dataLabelCallout>
+    <cs:lnRef idx="0"/>
+    <cs:fillRef idx="0"/>
+    <cs:effectRef idx="0"/>
+    <cs:fontRef idx="minor">
+      <a:schemeClr val="dk1">
+        <a:lumMod val="65000"/>
+        <a:lumOff val="35000"/>
+      </a:schemeClr>
+    </cs:fontRef>
+    <cs:spPr>
+      <a:solidFill>
+        <a:schemeClr val="lt1"/>
+      </a:solidFill>
+      <a:ln>
+        <a:solidFill>
+          <a:schemeClr val="dk1">
+            <a:lumMod val="25000"/>
+            <a:lumOff val="75000"/>
+          </a:schemeClr>
+        </a:solidFill>
+      </a:ln>
+    </cs:spPr>
+    <cs:defRPr sz="900" kern="1200"/>
+    <cs:bodyPr rot="0" spcFirstLastPara="1" vertOverflow="clip" horzOverflow="clip" vert="horz" wrap="square" lIns="36576" tIns="18288" rIns="36576" bIns="18288" anchor="ctr" anchorCtr="1">
+      <a:spAutoFit/>
+    </cs:bodyPr>
+  </cs:dataLabelCallout>
+  <cs:dataPoint>
+    <cs:lnRef idx="0"/>
+    <cs:fillRef idx="1">
+      <cs:styleClr val="auto"/>
+    </cs:fillRef>
+    <cs:effectRef idx="0"/>
+    <cs:fontRef idx="minor">
+      <a:schemeClr val="tx1"/>
+    </cs:fontRef>
+  </cs:dataPoint>
+  <cs:dataPoint3D>
+    <cs:lnRef idx="0"/>
+    <cs:fillRef idx="1">
+      <cs:styleClr val="auto"/>
+    </cs:fillRef>
+    <cs:effectRef idx="0"/>
+    <cs:fontRef idx="minor">
+      <a:schemeClr val="tx1"/>
+    </cs:fontRef>
+  </cs:dataPoint3D>
+  <cs:dataPointLine>
+    <cs:lnRef idx="0">
+      <cs:styleClr val="auto"/>
+    </cs:lnRef>
+    <cs:fillRef idx="1"/>
+    <cs:effectRef idx="0"/>
+    <cs:fontRef idx="minor">
+      <a:schemeClr val="tx1"/>
+    </cs:fontRef>
+    <cs:spPr>
+      <a:ln w="19050" cap="rnd">
+        <a:solidFill>
+          <a:schemeClr val="phClr"/>
+        </a:solidFill>
+        <a:round/>
+      </a:ln>
+    </cs:spPr>
+  </cs:dataPointLine>
+  <cs:dataPointMarker>
+    <cs:lnRef idx="0">
+      <cs:styleClr val="auto"/>
+    </cs:lnRef>
+    <cs:fillRef idx="1">
+      <cs:styleClr val="auto"/>
+    </cs:fillRef>
+    <cs:effectRef idx="0"/>
+    <cs:fontRef idx="minor">
+      <a:schemeClr val="tx1"/>
+    </cs:fontRef>
+    <cs:spPr>
+      <a:ln w="9525">
+        <a:solidFill>
+          <a:schemeClr val="phClr"/>
+        </a:solidFill>
+      </a:ln>
+    </cs:spPr>
+  </cs:dataPointMarker>
+  <cs:dataPointMarkerLayout symbol="circle" size="5"/>
+  <cs:dataPointWireframe>
+    <cs:lnRef idx="0">
+      <cs:styleClr val="auto"/>
+    </cs:lnRef>
+    <cs:fillRef idx="0"/>
+    <cs:effectRef idx="0"/>
+    <cs:fontRef idx="minor">
+      <a:schemeClr val="dk1"/>
+    </cs:fontRef>
+    <cs:spPr>
+      <a:ln w="9525" cap="rnd">
+        <a:solidFill>
+          <a:schemeClr val="phClr"/>
+        </a:solidFill>
+        <a:round/>
+      </a:ln>
+    </cs:spPr>
+  </cs:dataPointWireframe>
+  <cs:dataTable>
+    <cs:lnRef idx="0"/>
+    <cs:fillRef idx="0"/>
+    <cs:effectRef idx="0"/>
+    <cs:fontRef idx="minor">
+      <a:schemeClr val="tx1">
+        <a:lumMod val="65000"/>
+        <a:lumOff val="35000"/>
+      </a:schemeClr>
+    </cs:fontRef>
+    <cs:spPr>
+      <a:noFill/>
+      <a:ln w="9525" cap="flat" cmpd="sng" algn="ctr">
+        <a:solidFill>
+          <a:schemeClr val="tx1">
+            <a:lumMod val="15000"/>
+            <a:lumOff val="85000"/>
+          </a:schemeClr>
+        </a:solidFill>
+        <a:round/>
+      </a:ln>
+    </cs:spPr>
+    <cs:defRPr sz="900" kern="1200"/>
+  </cs:dataTable>
+  <cs:downBar>
+    <cs:lnRef idx="0"/>
+    <cs:fillRef idx="0"/>
+    <cs:effectRef idx="0"/>
+    <cs:fontRef idx="minor">
+      <a:schemeClr val="tx1"/>
+    </cs:fontRef>
+    <cs:spPr>
+      <a:solidFill>
+        <a:schemeClr val="dk1">
+          <a:lumMod val="75000"/>
+          <a:lumOff val="25000"/>
+        </a:schemeClr>
+      </a:solidFill>
+      <a:ln w="9525" cap="flat" cmpd="sng" algn="ctr">
+        <a:solidFill>
+          <a:schemeClr val="tx1">
+            <a:lumMod val="65000"/>
+            <a:lumOff val="35000"/>
+          </a:schemeClr>
+        </a:solidFill>
+        <a:round/>
+      </a:ln>
+    </cs:spPr>
+  </cs:downBar>
+  <cs:dropLine>
+    <cs:lnRef idx="0"/>
+    <cs:fillRef idx="0"/>
+    <cs:effectRef idx="0"/>
+    <cs:fontRef idx="minor">
+      <a:schemeClr val="tx1"/>
+    </cs:fontRef>
+    <cs:spPr>
+      <a:ln w="9525" cap="flat" cmpd="sng" algn="ctr">
+        <a:solidFill>
+          <a:schemeClr val="tx1">
+            <a:lumMod val="35000"/>
+            <a:lumOff val="65000"/>
+          </a:schemeClr>
+        </a:solidFill>
+        <a:round/>
+      </a:ln>
+    </cs:spPr>
+  </cs:dropLine>
+  <cs:errorBar>
+    <cs:lnRef idx="0"/>
+    <cs:fillRef idx="0"/>
+    <cs:effectRef idx="0"/>
+    <cs:fontRef idx="minor">
+      <a:schemeClr val="tx1"/>
+    </cs:fontRef>
+    <cs:spPr>
+      <a:ln w="9525" cap="flat" cmpd="sng" algn="ctr">
+        <a:solidFill>
+          <a:schemeClr val="tx1">
+            <a:lumMod val="65000"/>
+            <a:lumOff val="35000"/>
+          </a:schemeClr>
+        </a:solidFill>
+        <a:round/>
+      </a:ln>
+    </cs:spPr>
+  </cs:errorBar>
+  <cs:floor>
+    <cs:lnRef idx="0"/>
+    <cs:fillRef idx="0"/>
+    <cs:effectRef idx="0"/>
+    <cs:fontRef idx="minor">
+      <a:schemeClr val="tx1"/>
+    </cs:fontRef>
+    <cs:spPr>
+      <a:noFill/>
+      <a:ln>
+        <a:noFill/>
+      </a:ln>
+    </cs:spPr>
+  </cs:floor>
+  <cs:gridlineMajor>
+    <cs:lnRef idx="0"/>
+    <cs:fillRef idx="0"/>
+    <cs:effectRef idx="0"/>
+    <cs:fontRef idx="minor">
+      <a:schemeClr val="tx1"/>
+    </cs:fontRef>
+    <cs:spPr>
+      <a:ln w="9525" cap="flat" cmpd="sng" algn="ctr">
+        <a:solidFill>
+          <a:schemeClr val="tx1">
+            <a:lumMod val="15000"/>
+            <a:lumOff val="85000"/>
+          </a:schemeClr>
+        </a:solidFill>
+        <a:round/>
+      </a:ln>
+    </cs:spPr>
+  </cs:gridlineMajor>
+  <cs:gridlineMinor>
+    <cs:lnRef idx="0"/>
+    <cs:fillRef idx="0"/>
+    <cs:effectRef idx="0"/>
+    <cs:fontRef idx="minor">
+      <a:schemeClr val="tx1"/>
+    </cs:fontRef>
+    <cs:spPr>
+      <a:ln w="9525" cap="flat" cmpd="sng" algn="ctr">
+        <a:solidFill>
+          <a:schemeClr val="tx1">
+            <a:lumMod val="5000"/>
+            <a:lumOff val="95000"/>
+          </a:schemeClr>
+        </a:solidFill>
+        <a:round/>
+      </a:ln>
+    </cs:spPr>
+  </cs:gridlineMinor>
+  <cs:hiLoLine>
+    <cs:lnRef idx="0"/>
+    <cs:fillRef idx="0"/>
+    <cs:effectRef idx="0"/>
+    <cs:fontRef idx="minor">
+      <a:schemeClr val="tx1"/>
+    </cs:fontRef>
+    <cs:spPr>
+      <a:ln w="9525" cap="flat" cmpd="sng" algn="ctr">
+        <a:solidFill>
+          <a:schemeClr val="tx1">
+            <a:lumMod val="50000"/>
+            <a:lumOff val="50000"/>
+          </a:schemeClr>
+        </a:solidFill>
+        <a:round/>
+      </a:ln>
+    </cs:spPr>
+  </cs:hiLoLine>
+  <cs:leaderLine>
+    <cs:lnRef idx="0"/>
+    <cs:fillRef idx="0"/>
+    <cs:effectRef idx="0"/>
+    <cs:fontRef idx="minor">
+      <a:schemeClr val="tx1"/>
+    </cs:fontRef>
+    <cs:spPr>
+      <a:ln w="9525" cap="flat" cmpd="sng" algn="ctr">
+        <a:solidFill>
+          <a:schemeClr val="tx1">
+            <a:lumMod val="35000"/>
+            <a:lumOff val="65000"/>
+          </a:schemeClr>
+        </a:solidFill>
+        <a:round/>
+      </a:ln>
+    </cs:spPr>
+  </cs:leaderLine>
+  <cs:legend>
+    <cs:lnRef idx="0"/>
+    <cs:fillRef idx="0"/>
+    <cs:effectRef idx="0"/>
+    <cs:fontRef idx="minor">
+      <a:schemeClr val="tx1">
+        <a:lumMod val="65000"/>
+        <a:lumOff val="35000"/>
+      </a:schemeClr>
+    </cs:fontRef>
+    <cs:defRPr sz="900" kern="1200"/>
+  </cs:legend>
+  <cs:plotArea mods="allowNoFillOverride allowNoLineOverride">
+    <cs:lnRef idx="0"/>
+    <cs:fillRef idx="0"/>
+    <cs:effectRef idx="0"/>
+    <cs:fontRef idx="minor">
+      <a:schemeClr val="tx1"/>
+    </cs:fontRef>
+  </cs:plotArea>
+  <cs:plotArea3D mods="allowNoFillOverride allowNoLineOverride">
+    <cs:lnRef idx="0"/>
+    <cs:fillRef idx="0"/>
+    <cs:effectRef idx="0"/>
+    <cs:fontRef idx="minor">
+      <a:schemeClr val="tx1"/>
+    </cs:fontRef>
+  </cs:plotArea3D>
+  <cs:seriesAxis>
+    <cs:lnRef idx="0"/>
+    <cs:fillRef idx="0"/>
+    <cs:effectRef idx="0"/>
+    <cs:fontRef idx="minor">
+      <a:schemeClr val="tx1">
+        <a:lumMod val="65000"/>
+        <a:lumOff val="35000"/>
+      </a:schemeClr>
+    </cs:fontRef>
+    <cs:defRPr sz="900" kern="1200"/>
+  </cs:seriesAxis>
+  <cs:seriesLine>
+    <cs:lnRef idx="0"/>
+    <cs:fillRef idx="0"/>
+    <cs:effectRef idx="0"/>
+    <cs:fontRef idx="minor">
+      <a:schemeClr val="tx1"/>
+    </cs:fontRef>
+    <cs:spPr>
+      <a:ln w="9525" cap="flat" cmpd="sng" algn="ctr">
+        <a:solidFill>
+          <a:schemeClr val="tx1">
+            <a:lumMod val="35000"/>
+            <a:lumOff val="65000"/>
+          </a:schemeClr>
+        </a:solidFill>
+        <a:round/>
+      </a:ln>
+    </cs:spPr>
+  </cs:seriesLine>
+  <cs:title>
+    <cs:lnRef idx="0"/>
+    <cs:fillRef idx="0"/>
+    <cs:effectRef idx="0"/>
+    <cs:fontRef idx="minor">
+      <a:schemeClr val="tx1">
+        <a:lumMod val="65000"/>
+        <a:lumOff val="35000"/>
+      </a:schemeClr>
+    </cs:fontRef>
+    <cs:defRPr sz="1400" b="0" kern="1200" spc="0" baseline="0"/>
+  </cs:title>
+  <cs:trendline>
+    <cs:lnRef idx="0">
+      <cs:styleClr val="auto"/>
+    </cs:lnRef>
+    <cs:fillRef idx="0"/>
+    <cs:effectRef idx="0"/>
+    <cs:fontRef idx="minor">
+      <a:schemeClr val="tx1"/>
+    </cs:fontRef>
+    <cs:spPr>
+      <a:ln w="19050" cap="rnd">
+        <a:solidFill>
+          <a:schemeClr val="phClr"/>
+        </a:solidFill>
+        <a:prstDash val="sysDot"/>
+      </a:ln>
+    </cs:spPr>
+  </cs:trendline>
+  <cs:trendlineLabel>
+    <cs:lnRef idx="0"/>
+    <cs:fillRef idx="0"/>
+    <cs:effectRef idx="0"/>
+    <cs:fontRef idx="minor">
+      <a:schemeClr val="tx1">
+        <a:lumMod val="65000"/>
+        <a:lumOff val="35000"/>
+      </a:schemeClr>
+    </cs:fontRef>
+    <cs:defRPr sz="900" kern="1200"/>
+  </cs:trendlineLabel>
+  <cs:upBar>
+    <cs:lnRef idx="0"/>
+    <cs:fillRef idx="0"/>
+    <cs:effectRef idx="0"/>
+    <cs:fontRef idx="minor">
+      <a:schemeClr val="tx1"/>
+    </cs:fontRef>
+    <cs:spPr>
+      <a:solidFill>
+        <a:schemeClr val="lt1"/>
+      </a:solidFill>
+      <a:ln w="9525" cap="flat" cmpd="sng" algn="ctr">
+        <a:solidFill>
+          <a:schemeClr val="tx1">
+            <a:lumMod val="65000"/>
+            <a:lumOff val="35000"/>
+          </a:schemeClr>
+        </a:solidFill>
+        <a:round/>
+      </a:ln>
+    </cs:spPr>
+  </cs:upBar>
+  <cs:valueAxis>
+    <cs:lnRef idx="0"/>
+    <cs:fillRef idx="0"/>
+    <cs:effectRef idx="0"/>
+    <cs:fontRef idx="minor">
+      <a:schemeClr val="tx1">
+        <a:lumMod val="65000"/>
+        <a:lumOff val="35000"/>
+      </a:schemeClr>
+    </cs:fontRef>
+    <cs:spPr>
+      <a:ln w="9525" cap="flat" cmpd="sng" algn="ctr">
+        <a:solidFill>
+          <a:schemeClr val="tx1">
+            <a:lumMod val="25000"/>
+            <a:lumOff val="75000"/>
+          </a:schemeClr>
+        </a:solidFill>
+        <a:round/>
+      </a:ln>
+    </cs:spPr>
+    <cs:defRPr sz="900" kern="1200"/>
+  </cs:valueAxis>
+  <cs:wall>
+    <cs:lnRef idx="0"/>
+    <cs:fillRef idx="0"/>
+    <cs:effectRef idx="0"/>
+    <cs:fontRef idx="minor">
+      <a:schemeClr val="tx1"/>
+    </cs:fontRef>
+    <cs:spPr>
+      <a:noFill/>
+      <a:ln>
+        <a:noFill/>
+      </a:ln>
+    </cs:spPr>
+  </cs:wall>
+</cs:chartStyle>
+</file>
+
 <file path=ppt/slideLayouts/slideLayout1.xml><?xml version="1.0" encoding="utf-8"?>
 <p:sldLayout xmlns:a="http://schemas.openxmlformats.org/drawingml/2006/main" xmlns:r="http://schemas.openxmlformats.org/officeDocument/2006/relationships" xmlns:p="http://schemas.openxmlformats.org/presentationml/2006/main" type="title" preserve="1">
   <p:cSld name="Title Slide">
@@ -25229,7 +26099,7 @@
           <a:p>
             <a:fld id="{3418A8E9-09DE-6D4A-92A7-5F1A9E34C60B}" type="datetimeFigureOut">
               <a:rPr lang="en-US" smtClean="0"/>
-              <a:t>10/20/2018</a:t>
+              <a:t>12/9/18</a:t>
             </a:fld>
             <a:endParaRPr lang="en-US"/>
           </a:p>
@@ -25427,7 +26297,7 @@
           <a:p>
             <a:fld id="{3418A8E9-09DE-6D4A-92A7-5F1A9E34C60B}" type="datetimeFigureOut">
               <a:rPr lang="en-US" smtClean="0"/>
-              <a:t>10/20/2018</a:t>
+              <a:t>12/9/18</a:t>
             </a:fld>
             <a:endParaRPr lang="en-US"/>
           </a:p>
@@ -25635,7 +26505,7 @@
           <a:p>
             <a:fld id="{3418A8E9-09DE-6D4A-92A7-5F1A9E34C60B}" type="datetimeFigureOut">
               <a:rPr lang="en-US" smtClean="0"/>
-              <a:t>10/20/2018</a:t>
+              <a:t>12/9/18</a:t>
             </a:fld>
             <a:endParaRPr lang="en-US"/>
           </a:p>
@@ -25833,7 +26703,7 @@
           <a:p>
             <a:fld id="{3418A8E9-09DE-6D4A-92A7-5F1A9E34C60B}" type="datetimeFigureOut">
               <a:rPr lang="en-US" smtClean="0"/>
-              <a:t>10/20/2018</a:t>
+              <a:t>12/9/18</a:t>
             </a:fld>
             <a:endParaRPr lang="en-US"/>
           </a:p>
@@ -26108,7 +26978,7 @@
           <a:p>
             <a:fld id="{3418A8E9-09DE-6D4A-92A7-5F1A9E34C60B}" type="datetimeFigureOut">
               <a:rPr lang="en-US" smtClean="0"/>
-              <a:t>10/20/2018</a:t>
+              <a:t>12/9/18</a:t>
             </a:fld>
             <a:endParaRPr lang="en-US"/>
           </a:p>
@@ -26373,7 +27243,7 @@
           <a:p>
             <a:fld id="{3418A8E9-09DE-6D4A-92A7-5F1A9E34C60B}" type="datetimeFigureOut">
               <a:rPr lang="en-US" smtClean="0"/>
-              <a:t>10/20/2018</a:t>
+              <a:t>12/9/18</a:t>
             </a:fld>
             <a:endParaRPr lang="en-US"/>
           </a:p>
@@ -26785,7 +27655,7 @@
           <a:p>
             <a:fld id="{3418A8E9-09DE-6D4A-92A7-5F1A9E34C60B}" type="datetimeFigureOut">
               <a:rPr lang="en-US" smtClean="0"/>
-              <a:t>10/20/2018</a:t>
+              <a:t>12/9/18</a:t>
             </a:fld>
             <a:endParaRPr lang="en-US"/>
           </a:p>
@@ -26926,7 +27796,7 @@
           <a:p>
             <a:fld id="{3418A8E9-09DE-6D4A-92A7-5F1A9E34C60B}" type="datetimeFigureOut">
               <a:rPr lang="en-US" smtClean="0"/>
-              <a:t>10/20/2018</a:t>
+              <a:t>12/9/18</a:t>
             </a:fld>
             <a:endParaRPr lang="en-US"/>
           </a:p>
@@ -27039,7 +27909,7 @@
           <a:p>
             <a:fld id="{3418A8E9-09DE-6D4A-92A7-5F1A9E34C60B}" type="datetimeFigureOut">
               <a:rPr lang="en-US" smtClean="0"/>
-              <a:t>10/20/2018</a:t>
+              <a:t>12/9/18</a:t>
             </a:fld>
             <a:endParaRPr lang="en-US"/>
           </a:p>
@@ -27350,7 +28220,7 @@
           <a:p>
             <a:fld id="{3418A8E9-09DE-6D4A-92A7-5F1A9E34C60B}" type="datetimeFigureOut">
               <a:rPr lang="en-US" smtClean="0"/>
-              <a:t>10/20/2018</a:t>
+              <a:t>12/9/18</a:t>
             </a:fld>
             <a:endParaRPr lang="en-US"/>
           </a:p>
@@ -27638,7 +28508,7 @@
           <a:p>
             <a:fld id="{3418A8E9-09DE-6D4A-92A7-5F1A9E34C60B}" type="datetimeFigureOut">
               <a:rPr lang="en-US" smtClean="0"/>
-              <a:t>10/20/2018</a:t>
+              <a:t>12/9/18</a:t>
             </a:fld>
             <a:endParaRPr lang="en-US"/>
           </a:p>
@@ -27879,7 +28749,7 @@
           <a:p>
             <a:fld id="{3418A8E9-09DE-6D4A-92A7-5F1A9E34C60B}" type="datetimeFigureOut">
               <a:rPr lang="en-US" smtClean="0"/>
-              <a:t>10/20/2018</a:t>
+              <a:t>12/9/18</a:t>
             </a:fld>
             <a:endParaRPr lang="en-US"/>
           </a:p>
@@ -28472,8 +29342,8 @@
           </a:graphicData>
         </a:graphic>
       </p:graphicFrame>
-      <mc:AlternateContent xmlns:mc="http://schemas.openxmlformats.org/markup-compatibility/2006">
-        <mc:Choice xmlns:a14="http://schemas.microsoft.com/office/drawing/2010/main" Requires="a14">
+      <mc:AlternateContent xmlns:mc="http://schemas.openxmlformats.org/markup-compatibility/2006" xmlns:a14="http://schemas.microsoft.com/office/drawing/2010/main">
+        <mc:Choice Requires="a14">
           <p:sp>
             <p:nvSpPr>
               <p:cNvPr id="2" name="TextBox 1">
@@ -28603,7 +29473,7 @@
             </p:txBody>
           </p:sp>
         </mc:Choice>
-        <mc:Fallback>
+        <mc:Fallback xmlns="">
           <p:sp>
             <p:nvSpPr>
               <p:cNvPr id="2" name="TextBox 1">
@@ -28652,6 +29522,228 @@
     <p:extLst>
       <p:ext uri="{BB962C8B-B14F-4D97-AF65-F5344CB8AC3E}">
         <p14:creationId xmlns:p14="http://schemas.microsoft.com/office/powerpoint/2010/main" val="3378460710"/>
+      </p:ext>
+    </p:extLst>
+  </p:cSld>
+  <p:clrMapOvr>
+    <a:masterClrMapping/>
+  </p:clrMapOvr>
+</p:sld>
+</file>
+
+<file path=ppt/slides/slide4.xml><?xml version="1.0" encoding="utf-8"?>
+<p:sld xmlns:a="http://schemas.openxmlformats.org/drawingml/2006/main" xmlns:r="http://schemas.openxmlformats.org/officeDocument/2006/relationships" xmlns:p="http://schemas.openxmlformats.org/presentationml/2006/main">
+  <p:cSld>
+    <p:spTree>
+      <p:nvGrpSpPr>
+        <p:cNvPr id="1" name=""/>
+        <p:cNvGrpSpPr/>
+        <p:nvPr/>
+      </p:nvGrpSpPr>
+      <p:grpSpPr>
+        <a:xfrm>
+          <a:off x="0" y="0"/>
+          <a:ext cx="0" cy="0"/>
+          <a:chOff x="0" y="0"/>
+          <a:chExt cx="0" cy="0"/>
+        </a:xfrm>
+      </p:grpSpPr>
+      <p:graphicFrame>
+        <p:nvGraphicFramePr>
+          <p:cNvPr id="2" name="Chart 1">
+            <a:extLst>
+              <a:ext uri="{FF2B5EF4-FFF2-40B4-BE49-F238E27FC236}">
+                <a16:creationId xmlns:a16="http://schemas.microsoft.com/office/drawing/2014/main" id="{13DE70FF-37F0-495F-9ED7-A62F506F89A8}"/>
+              </a:ext>
+            </a:extLst>
+          </p:cNvPr>
+          <p:cNvGraphicFramePr>
+            <a:graphicFrameLocks/>
+          </p:cNvGraphicFramePr>
+          <p:nvPr>
+            <p:extLst>
+              <p:ext uri="{D42A27DB-BD31-4B8C-83A1-F6EECF244321}">
+                <p14:modId xmlns:p14="http://schemas.microsoft.com/office/powerpoint/2010/main" val="2451081637"/>
+              </p:ext>
+            </p:extLst>
+          </p:nvPr>
+        </p:nvGraphicFramePr>
+        <p:xfrm>
+          <a:off x="3556000" y="2057400"/>
+          <a:ext cx="5080000" cy="2743200"/>
+        </p:xfrm>
+        <a:graphic>
+          <a:graphicData uri="http://schemas.openxmlformats.org/drawingml/2006/chart">
+            <c:chart xmlns:c="http://schemas.openxmlformats.org/drawingml/2006/chart" xmlns:r="http://schemas.openxmlformats.org/officeDocument/2006/relationships" r:id="rId2"/>
+          </a:graphicData>
+        </a:graphic>
+      </p:graphicFrame>
+      <p:sp>
+        <p:nvSpPr>
+          <p:cNvPr id="5" name="TextBox 4">
+            <a:extLst>
+              <a:ext uri="{FF2B5EF4-FFF2-40B4-BE49-F238E27FC236}">
+                <a16:creationId xmlns:a16="http://schemas.microsoft.com/office/drawing/2014/main" id="{804FE31E-543A-D843-A1FB-1FD8CEB41712}"/>
+              </a:ext>
+            </a:extLst>
+          </p:cNvPr>
+          <p:cNvSpPr txBox="1"/>
+          <p:nvPr/>
+        </p:nvSpPr>
+        <p:spPr>
+          <a:xfrm>
+            <a:off x="3473623" y="3290500"/>
+            <a:ext cx="383503" cy="276999"/>
+          </a:xfrm>
+          <a:prstGeom prst="rect">
+            <a:avLst/>
+          </a:prstGeom>
+          <a:noFill/>
+        </p:spPr>
+        <p:txBody>
+          <a:bodyPr wrap="none" rtlCol="0">
+            <a:spAutoFit/>
+          </a:bodyPr>
+          <a:lstStyle/>
+          <a:p>
+            <a:r>
+              <a:rPr lang="en-US" sz="1200" dirty="0"/>
+              <a:t>T</a:t>
+            </a:r>
+            <a:r>
+              <a:rPr lang="en-US" sz="1200" baseline="-25000" dirty="0"/>
+              <a:t>m1</a:t>
+            </a:r>
+            <a:endParaRPr lang="en-US" sz="1200" dirty="0"/>
+          </a:p>
+        </p:txBody>
+      </p:sp>
+      <p:sp>
+        <p:nvSpPr>
+          <p:cNvPr id="6" name="TextBox 5">
+            <a:extLst>
+              <a:ext uri="{FF2B5EF4-FFF2-40B4-BE49-F238E27FC236}">
+                <a16:creationId xmlns:a16="http://schemas.microsoft.com/office/drawing/2014/main" id="{DA7F0AA9-126B-1846-B3BE-3F614CBF05FD}"/>
+              </a:ext>
+            </a:extLst>
+          </p:cNvPr>
+          <p:cNvSpPr txBox="1"/>
+          <p:nvPr/>
+        </p:nvSpPr>
+        <p:spPr>
+          <a:xfrm>
+            <a:off x="3473623" y="2829698"/>
+            <a:ext cx="383503" cy="276999"/>
+          </a:xfrm>
+          <a:prstGeom prst="rect">
+            <a:avLst/>
+          </a:prstGeom>
+          <a:noFill/>
+        </p:spPr>
+        <p:txBody>
+          <a:bodyPr wrap="none" rtlCol="0">
+            <a:spAutoFit/>
+          </a:bodyPr>
+          <a:lstStyle/>
+          <a:p>
+            <a:r>
+              <a:rPr lang="en-US" sz="1200" dirty="0"/>
+              <a:t>T</a:t>
+            </a:r>
+            <a:r>
+              <a:rPr lang="en-US" sz="1200" baseline="-25000" dirty="0"/>
+              <a:t>m2</a:t>
+            </a:r>
+            <a:endParaRPr lang="en-US" sz="1200" dirty="0"/>
+          </a:p>
+        </p:txBody>
+      </p:sp>
+      <p:cxnSp>
+        <p:nvCxnSpPr>
+          <p:cNvPr id="8" name="Straight Connector 7">
+            <a:extLst>
+              <a:ext uri="{FF2B5EF4-FFF2-40B4-BE49-F238E27FC236}">
+                <a16:creationId xmlns:a16="http://schemas.microsoft.com/office/drawing/2014/main" id="{8EE09945-5236-C84A-BF7D-80054DC69837}"/>
+              </a:ext>
+            </a:extLst>
+          </p:cNvPr>
+          <p:cNvCxnSpPr/>
+          <p:nvPr/>
+        </p:nvCxnSpPr>
+        <p:spPr>
+          <a:xfrm>
+            <a:off x="3868270" y="2967074"/>
+            <a:ext cx="97036" cy="0"/>
+          </a:xfrm>
+          <a:prstGeom prst="line">
+            <a:avLst/>
+          </a:prstGeom>
+          <a:ln>
+            <a:solidFill>
+              <a:schemeClr val="tx1"/>
+            </a:solidFill>
+          </a:ln>
+        </p:spPr>
+        <p:style>
+          <a:lnRef idx="1">
+            <a:schemeClr val="dk1"/>
+          </a:lnRef>
+          <a:fillRef idx="0">
+            <a:schemeClr val="dk1"/>
+          </a:fillRef>
+          <a:effectRef idx="0">
+            <a:schemeClr val="dk1"/>
+          </a:effectRef>
+          <a:fontRef idx="minor">
+            <a:schemeClr val="tx1"/>
+          </a:fontRef>
+        </p:style>
+      </p:cxnSp>
+      <p:cxnSp>
+        <p:nvCxnSpPr>
+          <p:cNvPr id="9" name="Straight Connector 8">
+            <a:extLst>
+              <a:ext uri="{FF2B5EF4-FFF2-40B4-BE49-F238E27FC236}">
+                <a16:creationId xmlns:a16="http://schemas.microsoft.com/office/drawing/2014/main" id="{53BDDE2E-CD4E-7F4A-A2DB-B1DAAD4ED8DC}"/>
+              </a:ext>
+            </a:extLst>
+          </p:cNvPr>
+          <p:cNvCxnSpPr/>
+          <p:nvPr/>
+        </p:nvCxnSpPr>
+        <p:spPr>
+          <a:xfrm>
+            <a:off x="3872386" y="3453108"/>
+            <a:ext cx="97036" cy="0"/>
+          </a:xfrm>
+          <a:prstGeom prst="line">
+            <a:avLst/>
+          </a:prstGeom>
+          <a:ln>
+            <a:solidFill>
+              <a:schemeClr val="tx1"/>
+            </a:solidFill>
+          </a:ln>
+        </p:spPr>
+        <p:style>
+          <a:lnRef idx="1">
+            <a:schemeClr val="dk1"/>
+          </a:lnRef>
+          <a:fillRef idx="0">
+            <a:schemeClr val="dk1"/>
+          </a:fillRef>
+          <a:effectRef idx="0">
+            <a:schemeClr val="dk1"/>
+          </a:effectRef>
+          <a:fontRef idx="minor">
+            <a:schemeClr val="tx1"/>
+          </a:fontRef>
+        </p:style>
+      </p:cxnSp>
+    </p:spTree>
+    <p:extLst>
+      <p:ext uri="{BB962C8B-B14F-4D97-AF65-F5344CB8AC3E}">
+        <p14:creationId xmlns:p14="http://schemas.microsoft.com/office/powerpoint/2010/main" val="3904934876"/>
       </p:ext>
     </p:extLst>
   </p:cSld>
